--- a/files/SAE/TRB-ImpactAttenuationSystem-Poster - BDS_v2.pptx
+++ b/files/SAE/TRB-ImpactAttenuationSystem-Poster - BDS_v2.pptx
@@ -166,7 +166,7 @@
           </a:lstStyle>
           <a:p>
             <a:r>
-              <a:rPr lang="en-US" smtClean="0"/>
+              <a:rPr lang="en-US"/>
               <a:t>Click to edit Master title style</a:t>
             </a:r>
             <a:endParaRPr lang="en-US" dirty="0"/>
@@ -231,7 +231,7 @@
           </a:lstStyle>
           <a:p>
             <a:r>
-              <a:rPr lang="en-US" smtClean="0"/>
+              <a:rPr lang="en-US"/>
               <a:t>Click to edit Master subtitle style</a:t>
             </a:r>
             <a:endParaRPr lang="en-US" dirty="0"/>
@@ -255,7 +255,7 @@
           <a:p>
             <a:fld id="{563E111F-98C8-4E70-A91E-7E1DDAA7F2CF}" type="datetimeFigureOut">
               <a:rPr lang="en-US" smtClean="0"/>
-              <a:t>12/18/2019</a:t>
+              <a:t>12/19/2019</a:t>
             </a:fld>
             <a:endParaRPr lang="en-US" dirty="0"/>
           </a:p>
@@ -349,7 +349,7 @@
           <a:lstStyle/>
           <a:p>
             <a:r>
-              <a:rPr lang="en-US" smtClean="0"/>
+              <a:rPr lang="en-US"/>
               <a:t>Click to edit Master title style</a:t>
             </a:r>
             <a:endParaRPr lang="en-US" dirty="0"/>
@@ -373,35 +373,35 @@
           <a:p>
             <a:pPr lvl="0"/>
             <a:r>
-              <a:rPr lang="en-US" smtClean="0"/>
+              <a:rPr lang="en-US"/>
               <a:t>Edit Master text styles</a:t>
             </a:r>
           </a:p>
           <a:p>
             <a:pPr lvl="1"/>
             <a:r>
-              <a:rPr lang="en-US" smtClean="0"/>
+              <a:rPr lang="en-US"/>
               <a:t>Second level</a:t>
             </a:r>
           </a:p>
           <a:p>
             <a:pPr lvl="2"/>
             <a:r>
-              <a:rPr lang="en-US" smtClean="0"/>
+              <a:rPr lang="en-US"/>
               <a:t>Third level</a:t>
             </a:r>
           </a:p>
           <a:p>
             <a:pPr lvl="3"/>
             <a:r>
-              <a:rPr lang="en-US" smtClean="0"/>
+              <a:rPr lang="en-US"/>
               <a:t>Fourth level</a:t>
             </a:r>
           </a:p>
           <a:p>
             <a:pPr lvl="4"/>
             <a:r>
-              <a:rPr lang="en-US" smtClean="0"/>
+              <a:rPr lang="en-US"/>
               <a:t>Fifth level</a:t>
             </a:r>
             <a:endParaRPr lang="en-US" dirty="0"/>
@@ -425,7 +425,7 @@
           <a:p>
             <a:fld id="{563E111F-98C8-4E70-A91E-7E1DDAA7F2CF}" type="datetimeFigureOut">
               <a:rPr lang="en-US" smtClean="0"/>
-              <a:t>12/18/2019</a:t>
+              <a:t>12/19/2019</a:t>
             </a:fld>
             <a:endParaRPr lang="en-US" dirty="0"/>
           </a:p>
@@ -524,7 +524,7 @@
           <a:lstStyle/>
           <a:p>
             <a:r>
-              <a:rPr lang="en-US" smtClean="0"/>
+              <a:rPr lang="en-US"/>
               <a:t>Click to edit Master title style</a:t>
             </a:r>
             <a:endParaRPr lang="en-US" dirty="0"/>
@@ -553,35 +553,35 @@
           <a:p>
             <a:pPr lvl="0"/>
             <a:r>
-              <a:rPr lang="en-US" smtClean="0"/>
+              <a:rPr lang="en-US"/>
               <a:t>Edit Master text styles</a:t>
             </a:r>
           </a:p>
           <a:p>
             <a:pPr lvl="1"/>
             <a:r>
-              <a:rPr lang="en-US" smtClean="0"/>
+              <a:rPr lang="en-US"/>
               <a:t>Second level</a:t>
             </a:r>
           </a:p>
           <a:p>
             <a:pPr lvl="2"/>
             <a:r>
-              <a:rPr lang="en-US" smtClean="0"/>
+              <a:rPr lang="en-US"/>
               <a:t>Third level</a:t>
             </a:r>
           </a:p>
           <a:p>
             <a:pPr lvl="3"/>
             <a:r>
-              <a:rPr lang="en-US" smtClean="0"/>
+              <a:rPr lang="en-US"/>
               <a:t>Fourth level</a:t>
             </a:r>
           </a:p>
           <a:p>
             <a:pPr lvl="4"/>
             <a:r>
-              <a:rPr lang="en-US" smtClean="0"/>
+              <a:rPr lang="en-US"/>
               <a:t>Fifth level</a:t>
             </a:r>
             <a:endParaRPr lang="en-US" dirty="0"/>
@@ -605,7 +605,7 @@
           <a:p>
             <a:fld id="{563E111F-98C8-4E70-A91E-7E1DDAA7F2CF}" type="datetimeFigureOut">
               <a:rPr lang="en-US" smtClean="0"/>
-              <a:t>12/18/2019</a:t>
+              <a:t>12/19/2019</a:t>
             </a:fld>
             <a:endParaRPr lang="en-US" dirty="0"/>
           </a:p>
@@ -699,7 +699,7 @@
           <a:lstStyle/>
           <a:p>
             <a:r>
-              <a:rPr lang="en-US" smtClean="0"/>
+              <a:rPr lang="en-US"/>
               <a:t>Click to edit Master title style</a:t>
             </a:r>
             <a:endParaRPr lang="en-US" dirty="0"/>
@@ -723,35 +723,35 @@
           <a:p>
             <a:pPr lvl="0"/>
             <a:r>
-              <a:rPr lang="en-US" smtClean="0"/>
+              <a:rPr lang="en-US"/>
               <a:t>Edit Master text styles</a:t>
             </a:r>
           </a:p>
           <a:p>
             <a:pPr lvl="1"/>
             <a:r>
-              <a:rPr lang="en-US" smtClean="0"/>
+              <a:rPr lang="en-US"/>
               <a:t>Second level</a:t>
             </a:r>
           </a:p>
           <a:p>
             <a:pPr lvl="2"/>
             <a:r>
-              <a:rPr lang="en-US" smtClean="0"/>
+              <a:rPr lang="en-US"/>
               <a:t>Third level</a:t>
             </a:r>
           </a:p>
           <a:p>
             <a:pPr lvl="3"/>
             <a:r>
-              <a:rPr lang="en-US" smtClean="0"/>
+              <a:rPr lang="en-US"/>
               <a:t>Fourth level</a:t>
             </a:r>
           </a:p>
           <a:p>
             <a:pPr lvl="4"/>
             <a:r>
-              <a:rPr lang="en-US" smtClean="0"/>
+              <a:rPr lang="en-US"/>
               <a:t>Fifth level</a:t>
             </a:r>
             <a:endParaRPr lang="en-US" dirty="0"/>
@@ -775,7 +775,7 @@
           <a:p>
             <a:fld id="{563E111F-98C8-4E70-A91E-7E1DDAA7F2CF}" type="datetimeFigureOut">
               <a:rPr lang="en-US" smtClean="0"/>
-              <a:t>12/18/2019</a:t>
+              <a:t>12/19/2019</a:t>
             </a:fld>
             <a:endParaRPr lang="en-US" dirty="0"/>
           </a:p>
@@ -878,7 +878,7 @@
           </a:lstStyle>
           <a:p>
             <a:r>
-              <a:rPr lang="en-US" smtClean="0"/>
+              <a:rPr lang="en-US"/>
               <a:t>Click to edit Master title style</a:t>
             </a:r>
             <a:endParaRPr lang="en-US" dirty="0"/>
@@ -996,7 +996,7 @@
           <a:p>
             <a:pPr lvl="0"/>
             <a:r>
-              <a:rPr lang="en-US" smtClean="0"/>
+              <a:rPr lang="en-US"/>
               <a:t>Edit Master text styles</a:t>
             </a:r>
           </a:p>
@@ -1019,7 +1019,7 @@
           <a:p>
             <a:fld id="{563E111F-98C8-4E70-A91E-7E1DDAA7F2CF}" type="datetimeFigureOut">
               <a:rPr lang="en-US" smtClean="0"/>
-              <a:t>12/18/2019</a:t>
+              <a:t>12/19/2019</a:t>
             </a:fld>
             <a:endParaRPr lang="en-US" dirty="0"/>
           </a:p>
@@ -1113,7 +1113,7 @@
           <a:lstStyle/>
           <a:p>
             <a:r>
-              <a:rPr lang="en-US" smtClean="0"/>
+              <a:rPr lang="en-US"/>
               <a:t>Click to edit Master title style</a:t>
             </a:r>
             <a:endParaRPr lang="en-US" dirty="0"/>
@@ -1142,35 +1142,35 @@
           <a:p>
             <a:pPr lvl="0"/>
             <a:r>
-              <a:rPr lang="en-US" smtClean="0"/>
+              <a:rPr lang="en-US"/>
               <a:t>Edit Master text styles</a:t>
             </a:r>
           </a:p>
           <a:p>
             <a:pPr lvl="1"/>
             <a:r>
-              <a:rPr lang="en-US" smtClean="0"/>
+              <a:rPr lang="en-US"/>
               <a:t>Second level</a:t>
             </a:r>
           </a:p>
           <a:p>
             <a:pPr lvl="2"/>
             <a:r>
-              <a:rPr lang="en-US" smtClean="0"/>
+              <a:rPr lang="en-US"/>
               <a:t>Third level</a:t>
             </a:r>
           </a:p>
           <a:p>
             <a:pPr lvl="3"/>
             <a:r>
-              <a:rPr lang="en-US" smtClean="0"/>
+              <a:rPr lang="en-US"/>
               <a:t>Fourth level</a:t>
             </a:r>
           </a:p>
           <a:p>
             <a:pPr lvl="4"/>
             <a:r>
-              <a:rPr lang="en-US" smtClean="0"/>
+              <a:rPr lang="en-US"/>
               <a:t>Fifth level</a:t>
             </a:r>
             <a:endParaRPr lang="en-US" dirty="0"/>
@@ -1199,35 +1199,35 @@
           <a:p>
             <a:pPr lvl="0"/>
             <a:r>
-              <a:rPr lang="en-US" smtClean="0"/>
+              <a:rPr lang="en-US"/>
               <a:t>Edit Master text styles</a:t>
             </a:r>
           </a:p>
           <a:p>
             <a:pPr lvl="1"/>
             <a:r>
-              <a:rPr lang="en-US" smtClean="0"/>
+              <a:rPr lang="en-US"/>
               <a:t>Second level</a:t>
             </a:r>
           </a:p>
           <a:p>
             <a:pPr lvl="2"/>
             <a:r>
-              <a:rPr lang="en-US" smtClean="0"/>
+              <a:rPr lang="en-US"/>
               <a:t>Third level</a:t>
             </a:r>
           </a:p>
           <a:p>
             <a:pPr lvl="3"/>
             <a:r>
-              <a:rPr lang="en-US" smtClean="0"/>
+              <a:rPr lang="en-US"/>
               <a:t>Fourth level</a:t>
             </a:r>
           </a:p>
           <a:p>
             <a:pPr lvl="4"/>
             <a:r>
-              <a:rPr lang="en-US" smtClean="0"/>
+              <a:rPr lang="en-US"/>
               <a:t>Fifth level</a:t>
             </a:r>
             <a:endParaRPr lang="en-US" dirty="0"/>
@@ -1251,7 +1251,7 @@
           <a:p>
             <a:fld id="{563E111F-98C8-4E70-A91E-7E1DDAA7F2CF}" type="datetimeFigureOut">
               <a:rPr lang="en-US" smtClean="0"/>
-              <a:t>12/18/2019</a:t>
+              <a:t>12/19/2019</a:t>
             </a:fld>
             <a:endParaRPr lang="en-US" dirty="0"/>
           </a:p>
@@ -1350,7 +1350,7 @@
           <a:lstStyle/>
           <a:p>
             <a:r>
-              <a:rPr lang="en-US" smtClean="0"/>
+              <a:rPr lang="en-US"/>
               <a:t>Click to edit Master title style</a:t>
             </a:r>
             <a:endParaRPr lang="en-US" dirty="0"/>
@@ -1416,7 +1416,7 @@
           <a:p>
             <a:pPr lvl="0"/>
             <a:r>
-              <a:rPr lang="en-US" smtClean="0"/>
+              <a:rPr lang="en-US"/>
               <a:t>Edit Master text styles</a:t>
             </a:r>
           </a:p>
@@ -1444,35 +1444,35 @@
           <a:p>
             <a:pPr lvl="0"/>
             <a:r>
-              <a:rPr lang="en-US" smtClean="0"/>
+              <a:rPr lang="en-US"/>
               <a:t>Edit Master text styles</a:t>
             </a:r>
           </a:p>
           <a:p>
             <a:pPr lvl="1"/>
             <a:r>
-              <a:rPr lang="en-US" smtClean="0"/>
+              <a:rPr lang="en-US"/>
               <a:t>Second level</a:t>
             </a:r>
           </a:p>
           <a:p>
             <a:pPr lvl="2"/>
             <a:r>
-              <a:rPr lang="en-US" smtClean="0"/>
+              <a:rPr lang="en-US"/>
               <a:t>Third level</a:t>
             </a:r>
           </a:p>
           <a:p>
             <a:pPr lvl="3"/>
             <a:r>
-              <a:rPr lang="en-US" smtClean="0"/>
+              <a:rPr lang="en-US"/>
               <a:t>Fourth level</a:t>
             </a:r>
           </a:p>
           <a:p>
             <a:pPr lvl="4"/>
             <a:r>
-              <a:rPr lang="en-US" smtClean="0"/>
+              <a:rPr lang="en-US"/>
               <a:t>Fifth level</a:t>
             </a:r>
             <a:endParaRPr lang="en-US" dirty="0"/>
@@ -1538,7 +1538,7 @@
           <a:p>
             <a:pPr lvl="0"/>
             <a:r>
-              <a:rPr lang="en-US" smtClean="0"/>
+              <a:rPr lang="en-US"/>
               <a:t>Edit Master text styles</a:t>
             </a:r>
           </a:p>
@@ -1566,35 +1566,35 @@
           <a:p>
             <a:pPr lvl="0"/>
             <a:r>
-              <a:rPr lang="en-US" smtClean="0"/>
+              <a:rPr lang="en-US"/>
               <a:t>Edit Master text styles</a:t>
             </a:r>
           </a:p>
           <a:p>
             <a:pPr lvl="1"/>
             <a:r>
-              <a:rPr lang="en-US" smtClean="0"/>
+              <a:rPr lang="en-US"/>
               <a:t>Second level</a:t>
             </a:r>
           </a:p>
           <a:p>
             <a:pPr lvl="2"/>
             <a:r>
-              <a:rPr lang="en-US" smtClean="0"/>
+              <a:rPr lang="en-US"/>
               <a:t>Third level</a:t>
             </a:r>
           </a:p>
           <a:p>
             <a:pPr lvl="3"/>
             <a:r>
-              <a:rPr lang="en-US" smtClean="0"/>
+              <a:rPr lang="en-US"/>
               <a:t>Fourth level</a:t>
             </a:r>
           </a:p>
           <a:p>
             <a:pPr lvl="4"/>
             <a:r>
-              <a:rPr lang="en-US" smtClean="0"/>
+              <a:rPr lang="en-US"/>
               <a:t>Fifth level</a:t>
             </a:r>
             <a:endParaRPr lang="en-US" dirty="0"/>
@@ -1618,7 +1618,7 @@
           <a:p>
             <a:fld id="{563E111F-98C8-4E70-A91E-7E1DDAA7F2CF}" type="datetimeFigureOut">
               <a:rPr lang="en-US" smtClean="0"/>
-              <a:t>12/18/2019</a:t>
+              <a:t>12/19/2019</a:t>
             </a:fld>
             <a:endParaRPr lang="en-US" dirty="0"/>
           </a:p>
@@ -1712,7 +1712,7 @@
           <a:lstStyle/>
           <a:p>
             <a:r>
-              <a:rPr lang="en-US" smtClean="0"/>
+              <a:rPr lang="en-US"/>
               <a:t>Click to edit Master title style</a:t>
             </a:r>
             <a:endParaRPr lang="en-US" dirty="0"/>
@@ -1736,7 +1736,7 @@
           <a:p>
             <a:fld id="{563E111F-98C8-4E70-A91E-7E1DDAA7F2CF}" type="datetimeFigureOut">
               <a:rPr lang="en-US" smtClean="0"/>
-              <a:t>12/18/2019</a:t>
+              <a:t>12/19/2019</a:t>
             </a:fld>
             <a:endParaRPr lang="en-US" dirty="0"/>
           </a:p>
@@ -1831,7 +1831,7 @@
           <a:p>
             <a:fld id="{563E111F-98C8-4E70-A91E-7E1DDAA7F2CF}" type="datetimeFigureOut">
               <a:rPr lang="en-US" smtClean="0"/>
-              <a:t>12/18/2019</a:t>
+              <a:t>12/19/2019</a:t>
             </a:fld>
             <a:endParaRPr lang="en-US" dirty="0"/>
           </a:p>
@@ -1934,7 +1934,7 @@
           </a:lstStyle>
           <a:p>
             <a:r>
-              <a:rPr lang="en-US" smtClean="0"/>
+              <a:rPr lang="en-US"/>
               <a:t>Click to edit Master title style</a:t>
             </a:r>
             <a:endParaRPr lang="en-US" dirty="0"/>
@@ -1991,35 +1991,35 @@
           <a:p>
             <a:pPr lvl="0"/>
             <a:r>
-              <a:rPr lang="en-US" smtClean="0"/>
+              <a:rPr lang="en-US"/>
               <a:t>Edit Master text styles</a:t>
             </a:r>
           </a:p>
           <a:p>
             <a:pPr lvl="1"/>
             <a:r>
-              <a:rPr lang="en-US" smtClean="0"/>
+              <a:rPr lang="en-US"/>
               <a:t>Second level</a:t>
             </a:r>
           </a:p>
           <a:p>
             <a:pPr lvl="2"/>
             <a:r>
-              <a:rPr lang="en-US" smtClean="0"/>
+              <a:rPr lang="en-US"/>
               <a:t>Third level</a:t>
             </a:r>
           </a:p>
           <a:p>
             <a:pPr lvl="3"/>
             <a:r>
-              <a:rPr lang="en-US" smtClean="0"/>
+              <a:rPr lang="en-US"/>
               <a:t>Fourth level</a:t>
             </a:r>
           </a:p>
           <a:p>
             <a:pPr lvl="4"/>
             <a:r>
-              <a:rPr lang="en-US" smtClean="0"/>
+              <a:rPr lang="en-US"/>
               <a:t>Fifth level</a:t>
             </a:r>
             <a:endParaRPr lang="en-US" dirty="0"/>
@@ -2085,7 +2085,7 @@
           <a:p>
             <a:pPr lvl="0"/>
             <a:r>
-              <a:rPr lang="en-US" smtClean="0"/>
+              <a:rPr lang="en-US"/>
               <a:t>Edit Master text styles</a:t>
             </a:r>
           </a:p>
@@ -2108,7 +2108,7 @@
           <a:p>
             <a:fld id="{563E111F-98C8-4E70-A91E-7E1DDAA7F2CF}" type="datetimeFigureOut">
               <a:rPr lang="en-US" smtClean="0"/>
-              <a:t>12/18/2019</a:t>
+              <a:t>12/19/2019</a:t>
             </a:fld>
             <a:endParaRPr lang="en-US" dirty="0"/>
           </a:p>
@@ -2211,7 +2211,7 @@
           </a:lstStyle>
           <a:p>
             <a:r>
-              <a:rPr lang="en-US" smtClean="0"/>
+              <a:rPr lang="en-US"/>
               <a:t>Click to edit Master title style</a:t>
             </a:r>
             <a:endParaRPr lang="en-US" dirty="0"/>
@@ -2276,10 +2276,9 @@
           </a:lstStyle>
           <a:p>
             <a:r>
-              <a:rPr lang="en-US" dirty="0" smtClean="0"/>
+              <a:rPr lang="en-US" dirty="0"/>
               <a:t>Click icon to add picture</a:t>
             </a:r>
-            <a:endParaRPr lang="en-US" dirty="0"/>
           </a:p>
         </p:txBody>
       </p:sp>
@@ -2342,7 +2341,7 @@
           <a:p>
             <a:pPr lvl="0"/>
             <a:r>
-              <a:rPr lang="en-US" smtClean="0"/>
+              <a:rPr lang="en-US"/>
               <a:t>Edit Master text styles</a:t>
             </a:r>
           </a:p>
@@ -2365,7 +2364,7 @@
           <a:p>
             <a:fld id="{563E111F-98C8-4E70-A91E-7E1DDAA7F2CF}" type="datetimeFigureOut">
               <a:rPr lang="en-US" smtClean="0"/>
-              <a:t>12/18/2019</a:t>
+              <a:t>12/19/2019</a:t>
             </a:fld>
             <a:endParaRPr lang="en-US" dirty="0"/>
           </a:p>
@@ -2474,7 +2473,7 @@
           <a:lstStyle/>
           <a:p>
             <a:r>
-              <a:rPr lang="en-US" smtClean="0"/>
+              <a:rPr lang="en-US"/>
               <a:t>Click to edit Master title style</a:t>
             </a:r>
             <a:endParaRPr lang="en-US" dirty="0"/>
@@ -2508,35 +2507,35 @@
           <a:p>
             <a:pPr lvl="0"/>
             <a:r>
-              <a:rPr lang="en-US" smtClean="0"/>
+              <a:rPr lang="en-US"/>
               <a:t>Edit Master text styles</a:t>
             </a:r>
           </a:p>
           <a:p>
             <a:pPr lvl="1"/>
             <a:r>
-              <a:rPr lang="en-US" smtClean="0"/>
+              <a:rPr lang="en-US"/>
               <a:t>Second level</a:t>
             </a:r>
           </a:p>
           <a:p>
             <a:pPr lvl="2"/>
             <a:r>
-              <a:rPr lang="en-US" smtClean="0"/>
+              <a:rPr lang="en-US"/>
               <a:t>Third level</a:t>
             </a:r>
           </a:p>
           <a:p>
             <a:pPr lvl="3"/>
             <a:r>
-              <a:rPr lang="en-US" smtClean="0"/>
+              <a:rPr lang="en-US"/>
               <a:t>Fourth level</a:t>
             </a:r>
           </a:p>
           <a:p>
             <a:pPr lvl="4"/>
             <a:r>
-              <a:rPr lang="en-US" smtClean="0"/>
+              <a:rPr lang="en-US"/>
               <a:t>Fifth level</a:t>
             </a:r>
             <a:endParaRPr lang="en-US" dirty="0"/>
@@ -2578,7 +2577,7 @@
           <a:p>
             <a:fld id="{563E111F-98C8-4E70-A91E-7E1DDAA7F2CF}" type="datetimeFigureOut">
               <a:rPr lang="en-US" smtClean="0"/>
-              <a:t>12/18/2019</a:t>
+              <a:t>12/19/2019</a:t>
             </a:fld>
             <a:endParaRPr lang="en-US" dirty="0"/>
           </a:p>
@@ -3028,56 +3027,13 @@
       </p:sp>
       <p:sp>
         <p:nvSpPr>
-          <p:cNvPr id="75" name="TextBox 74"/>
-          <p:cNvSpPr txBox="1"/>
-          <p:nvPr/>
-        </p:nvSpPr>
-        <p:spPr>
-          <a:xfrm>
-            <a:off x="16126832" y="24328958"/>
-            <a:ext cx="16654800" cy="1015663"/>
-          </a:xfrm>
-          <a:prstGeom prst="rect">
-            <a:avLst/>
-          </a:prstGeom>
-          <a:solidFill>
-            <a:srgbClr val="FF0000"/>
-          </a:solidFill>
-        </p:spPr>
-        <p:txBody>
-          <a:bodyPr wrap="square" rtlCol="0">
-            <a:spAutoFit/>
-          </a:bodyPr>
-          <a:lstStyle/>
-          <a:p>
-            <a:pPr algn="ctr"/>
-            <a:r>
-              <a:rPr lang="en-US" sz="6000" b="1" dirty="0">
-                <a:ln>
-                  <a:solidFill>
-                    <a:schemeClr val="bg1"/>
-                  </a:solidFill>
-                </a:ln>
-                <a:solidFill>
-                  <a:schemeClr val="bg1"/>
-                </a:solidFill>
-                <a:latin typeface="Arial" panose="020B0604020202020204" pitchFamily="34" charset="0"/>
-                <a:cs typeface="Arial" panose="020B0604020202020204" pitchFamily="34" charset="0"/>
-              </a:rPr>
-              <a:t>DESIGN CONCEPTS</a:t>
-            </a:r>
-          </a:p>
-        </p:txBody>
-      </p:sp>
-      <p:sp>
-        <p:nvSpPr>
           <p:cNvPr id="26" name="TextBox 25"/>
           <p:cNvSpPr txBox="1"/>
           <p:nvPr/>
         </p:nvSpPr>
         <p:spPr>
           <a:xfrm>
-            <a:off x="0" y="22544154"/>
+            <a:off x="86833" y="18136270"/>
             <a:ext cx="15728137" cy="1015663"/>
           </a:xfrm>
           <a:prstGeom prst="rect">
@@ -3284,36 +3240,6 @@
           </a:p>
         </p:txBody>
       </p:sp>
-      <p:pic>
-        <p:nvPicPr>
-          <p:cNvPr id="35" name="Picture 34"/>
-          <p:cNvPicPr>
-            <a:picLocks noChangeAspect="1"/>
-          </p:cNvPicPr>
-          <p:nvPr/>
-        </p:nvPicPr>
-        <p:blipFill>
-          <a:blip r:embed="rId2">
-            <a:extLst>
-              <a:ext uri="{28A0092B-C50C-407E-A947-70E740481C1C}">
-                <a14:useLocalDpi xmlns:a14="http://schemas.microsoft.com/office/drawing/2010/main" val="0"/>
-              </a:ext>
-            </a:extLst>
-          </a:blip>
-          <a:stretch>
-            <a:fillRect/>
-          </a:stretch>
-        </p:blipFill>
-        <p:spPr>
-          <a:xfrm>
-            <a:off x="18119672" y="17869710"/>
-            <a:ext cx="12407690" cy="6371516"/>
-          </a:xfrm>
-          <a:prstGeom prst="rect">
-            <a:avLst/>
-          </a:prstGeom>
-        </p:spPr>
-      </p:pic>
       <p:sp>
         <p:nvSpPr>
           <p:cNvPr id="4" name="TextBox 3"/>
@@ -3344,10 +3270,6 @@
               </a:rPr>
               <a:t>Road Curvature Decomposition for Autonomous Guidance</a:t>
             </a:r>
-            <a:endParaRPr lang="en-US" sz="7200" b="1" dirty="0">
-              <a:latin typeface="Arial" panose="020B0604020202020204" pitchFamily="34" charset="0"/>
-              <a:cs typeface="Arial" panose="020B0604020202020204" pitchFamily="34" charset="0"/>
-            </a:endParaRPr>
           </a:p>
         </p:txBody>
       </p:sp>
@@ -3374,18 +3296,11 @@
           <a:lstStyle/>
           <a:p>
             <a:r>
-              <a:rPr lang="en-US" sz="5400" dirty="0" smtClean="0">
-                <a:latin typeface="Arial" panose="020B0604020202020204" pitchFamily="34" charset="0"/>
-                <a:cs typeface="Arial" panose="020B0604020202020204" pitchFamily="34" charset="0"/>
-              </a:rPr>
-              <a:t>Ricardo Jacome, </a:t>
-            </a:r>
-            <a:r>
               <a:rPr lang="en-US" sz="5400" dirty="0">
                 <a:latin typeface="Arial" panose="020B0604020202020204" pitchFamily="34" charset="0"/>
                 <a:cs typeface="Arial" panose="020B0604020202020204" pitchFamily="34" charset="0"/>
               </a:rPr>
-              <a:t>Mechanical Engineering Graduate Research Assistant, University of Nebraska -Lincoln</a:t>
+              <a:t>Ricardo Jacome, Mechanical Engineering Graduate Research Assistant, University of Nebraska -Lincoln</a:t>
             </a:r>
           </a:p>
         </p:txBody>
@@ -3399,7 +3314,7 @@
           <p:nvPr/>
         </p:nvPicPr>
         <p:blipFill>
-          <a:blip r:embed="rId3">
+          <a:blip r:embed="rId2">
             <a:extLst>
               <a:ext uri="{28A0092B-C50C-407E-A947-70E740481C1C}">
                 <a14:useLocalDpi xmlns:a14="http://schemas.microsoft.com/office/drawing/2010/main" val="0"/>
@@ -3440,7 +3355,7 @@
           <p:nvPr/>
         </p:nvPicPr>
         <p:blipFill>
-          <a:blip r:embed="rId4">
+          <a:blip r:embed="rId3">
             <a:clrChange>
               <a:clrFrom>
                 <a:srgbClr val="FFFFFF"/>
@@ -3692,16 +3607,12 @@
               <a:buChar char="-"/>
             </a:pPr>
             <a:r>
-              <a:rPr lang="en-US" sz="6000" dirty="0" smtClean="0">
+              <a:rPr lang="en-US" sz="6000" dirty="0">
                 <a:latin typeface="Arial" panose="020B0604020202020204" pitchFamily="34" charset="0"/>
                 <a:cs typeface="Arial" panose="020B0604020202020204" pitchFamily="34" charset="0"/>
               </a:rPr>
-              <a:t>Develop a method for discretizing geospatial data and providing vehicle path guidance for autonomous vehicles.</a:t>
-            </a:r>
-            <a:endParaRPr lang="en-US" sz="6000" dirty="0">
-              <a:latin typeface="Arial" panose="020B0604020202020204" pitchFamily="34" charset="0"/>
-              <a:cs typeface="Arial" panose="020B0604020202020204" pitchFamily="34" charset="0"/>
-            </a:endParaRPr>
+              <a:t>Develop a method for discretizing geospatial data and providing path guidance for autonomous vehicles.</a:t>
+            </a:r>
           </a:p>
         </p:txBody>
       </p:sp>
@@ -3739,14 +3650,7 @@
                 <a:latin typeface="Arial" panose="020B0604020202020204" pitchFamily="34" charset="0"/>
                 <a:cs typeface="Arial" panose="020B0604020202020204" pitchFamily="34" charset="0"/>
               </a:rPr>
-              <a:t>Vehicle autonomy has been touted as the future of transportation, but there are significant challenges which remain to be addressed</a:t>
-            </a:r>
-            <a:r>
-              <a:rPr lang="en-US" sz="4800" dirty="0" smtClean="0">
-                <a:latin typeface="Arial" panose="020B0604020202020204" pitchFamily="34" charset="0"/>
-                <a:cs typeface="Arial" panose="020B0604020202020204" pitchFamily="34" charset="0"/>
-              </a:rPr>
-              <a:t>.</a:t>
+              <a:t>Vehicle autonomy has been touted as the future of transportation, but there are significant challenges which remain to be addressed.</a:t>
             </a:r>
           </a:p>
           <a:p>
@@ -3762,28 +3666,7 @@
                 <a:latin typeface="Arial" panose="020B0604020202020204" pitchFamily="34" charset="0"/>
                 <a:cs typeface="Arial" panose="020B0604020202020204" pitchFamily="34" charset="0"/>
               </a:rPr>
-              <a:t>Tremendous growth has been achieved in </a:t>
-            </a:r>
-            <a:r>
-              <a:rPr lang="en-US" sz="4800" dirty="0" smtClean="0">
-                <a:latin typeface="Arial" panose="020B0604020202020204" pitchFamily="34" charset="0"/>
-                <a:cs typeface="Arial" panose="020B0604020202020204" pitchFamily="34" charset="0"/>
-              </a:rPr>
-              <a:t>“</a:t>
-            </a:r>
-            <a:r>
-              <a:rPr lang="en-US" sz="4800" dirty="0">
-                <a:latin typeface="Arial" panose="020B0604020202020204" pitchFamily="34" charset="0"/>
-                <a:cs typeface="Arial" panose="020B0604020202020204" pitchFamily="34" charset="0"/>
-              </a:rPr>
-              <a:t>Advanced Driver Assistance Systems</a:t>
-            </a:r>
-            <a:r>
-              <a:rPr lang="en-US" sz="4800" dirty="0" smtClean="0">
-                <a:latin typeface="Arial" panose="020B0604020202020204" pitchFamily="34" charset="0"/>
-                <a:cs typeface="Arial" panose="020B0604020202020204" pitchFamily="34" charset="0"/>
-              </a:rPr>
-              <a:t>”</a:t>
+              <a:t>Tremendous growth has been achieved in “Advanced Driver Assistance Systems”</a:t>
             </a:r>
           </a:p>
           <a:p>
@@ -3795,18 +3678,11 @@
               <a:buChar char="-"/>
             </a:pPr>
             <a:r>
-              <a:rPr lang="en-US" sz="4800" dirty="0" smtClean="0">
-                <a:latin typeface="Arial" panose="020B0604020202020204" pitchFamily="34" charset="0"/>
-                <a:cs typeface="Arial" panose="020B0604020202020204" pitchFamily="34" charset="0"/>
-              </a:rPr>
-              <a:t>Need </a:t>
-            </a:r>
-            <a:r>
               <a:rPr lang="en-US" sz="4800" dirty="0">
                 <a:latin typeface="Arial" panose="020B0604020202020204" pitchFamily="34" charset="0"/>
                 <a:cs typeface="Arial" panose="020B0604020202020204" pitchFamily="34" charset="0"/>
               </a:rPr>
-              <a:t>low-cost, crashworthy solution functional for many impact conditions and with narrow footprint</a:t>
+              <a:t>Need low-cost, crashworthy solution functional for many impact conditions and with narrow footprint</a:t>
             </a:r>
           </a:p>
           <a:p>
@@ -3836,7 +3712,7 @@
           <p:nvPr/>
         </p:nvPicPr>
         <p:blipFill>
-          <a:blip r:embed="rId5">
+          <a:blip r:embed="rId4">
             <a:extLst>
               <a:ext uri="{28A0092B-C50C-407E-A947-70E740481C1C}">
                 <a14:useLocalDpi xmlns:a14="http://schemas.microsoft.com/office/drawing/2010/main" val="0"/>
@@ -3903,18 +3779,11 @@
               <a:buChar char="-"/>
             </a:pPr>
             <a:r>
-              <a:rPr lang="en-US" sz="4800" dirty="0" smtClean="0">
-                <a:latin typeface="Arial" panose="020B0604020202020204" pitchFamily="34" charset="0"/>
-                <a:cs typeface="Arial" panose="020B0604020202020204" pitchFamily="34" charset="0"/>
-              </a:rPr>
-              <a:t>Impact </a:t>
-            </a:r>
-            <a:r>
               <a:rPr lang="en-US" sz="4800" dirty="0">
                 <a:latin typeface="Arial" panose="020B0604020202020204" pitchFamily="34" charset="0"/>
                 <a:cs typeface="Arial" panose="020B0604020202020204" pitchFamily="34" charset="0"/>
               </a:rPr>
-              <a:t>conditions determined by length of need</a:t>
+              <a:t>Impact conditions determined by length of need</a:t>
             </a:r>
           </a:p>
         </p:txBody>
@@ -3982,18 +3851,11 @@
           <a:p>
             <a:pPr algn="ctr"/>
             <a:r>
-              <a:rPr lang="en-US" sz="5400" dirty="0" smtClean="0">
-                <a:latin typeface="Arial" panose="020B0604020202020204" pitchFamily="34" charset="0"/>
-                <a:cs typeface="Arial" panose="020B0604020202020204" pitchFamily="34" charset="0"/>
-              </a:rPr>
-              <a:t>Jacome, Sweigard, </a:t>
-            </a:r>
-            <a:r>
               <a:rPr lang="en-US" sz="5400" dirty="0">
                 <a:latin typeface="Arial" panose="020B0604020202020204" pitchFamily="34" charset="0"/>
                 <a:cs typeface="Arial" panose="020B0604020202020204" pitchFamily="34" charset="0"/>
               </a:rPr>
-              <a:t>Stolle  </a:t>
+              <a:t>Jacome, Sweigard, Stolle  </a:t>
             </a:r>
           </a:p>
         </p:txBody>
@@ -4006,7 +3868,7 @@
         </p:nvSpPr>
         <p:spPr>
           <a:xfrm>
-            <a:off x="153243" y="33813354"/>
+            <a:off x="148733" y="34298490"/>
             <a:ext cx="15226292" cy="2616101"/>
           </a:xfrm>
           <a:prstGeom prst="rect">
@@ -4106,14 +3968,46 @@
       </p:cxnSp>
       <p:sp>
         <p:nvSpPr>
-          <p:cNvPr id="76" name="TextBox 75"/>
+          <p:cNvPr id="21" name="TextBox 20"/>
           <p:cNvSpPr txBox="1"/>
           <p:nvPr/>
         </p:nvSpPr>
         <p:spPr>
           <a:xfrm>
-            <a:off x="16290140" y="25474834"/>
-            <a:ext cx="16425139" cy="4678204"/>
+            <a:off x="36914616" y="13302605"/>
+            <a:ext cx="3265638" cy="523220"/>
+          </a:xfrm>
+          <a:prstGeom prst="rect">
+            <a:avLst/>
+          </a:prstGeom>
+          <a:noFill/>
+        </p:spPr>
+        <p:txBody>
+          <a:bodyPr wrap="none" rtlCol="0">
+            <a:spAutoFit/>
+          </a:bodyPr>
+          <a:lstStyle/>
+          <a:p>
+            <a:r>
+              <a:rPr lang="en-US" sz="2800" dirty="0">
+                <a:latin typeface="Arial" panose="020B0604020202020204" pitchFamily="34" charset="0"/>
+                <a:cs typeface="Arial" panose="020B0604020202020204" pitchFamily="34" charset="0"/>
+              </a:rPr>
+              <a:t>Initial Configuration</a:t>
+            </a:r>
+          </a:p>
+        </p:txBody>
+      </p:sp>
+      <p:sp>
+        <p:nvSpPr>
+          <p:cNvPr id="62" name="TextBox 61"/>
+          <p:cNvSpPr txBox="1"/>
+          <p:nvPr/>
+        </p:nvSpPr>
+        <p:spPr>
+          <a:xfrm>
+            <a:off x="33261185" y="31438737"/>
+            <a:ext cx="17833987" cy="5570756"/>
           </a:xfrm>
           <a:prstGeom prst="rect">
             <a:avLst/>
@@ -4138,7 +4032,7 @@
                 <a:latin typeface="Arial" panose="020B0604020202020204" pitchFamily="34" charset="0"/>
                 <a:cs typeface="Arial" panose="020B0604020202020204" pitchFamily="34" charset="0"/>
               </a:rPr>
-              <a:t>Fifteen concepts generated, and ranked based on analysis of: 1) safety performance 2) maintenance and repair costs 3) effort to develop concept 4) installation cost </a:t>
+              <a:t>Net attenuator selected for testing and stopped a 5,259-lb bogie vehicle traveling at  roughly 60 mph in 43 ft or less</a:t>
             </a:r>
           </a:p>
           <a:p>
@@ -4154,35 +4048,75 @@
                 <a:latin typeface="Arial" panose="020B0604020202020204" pitchFamily="34" charset="0"/>
                 <a:cs typeface="Arial" panose="020B0604020202020204" pitchFamily="34" charset="0"/>
               </a:rPr>
-              <a:t>Highest-ranked concepts: 1) net attenuator/end terminal 2) sand barrels/end terminal 3) bullnose with secondary energy absorber</a:t>
+              <a:t>Component testing suggested design would work under variety of impact conditions, speeds, and angles, and was versatile for installation</a:t>
+            </a:r>
+          </a:p>
+          <a:p>
+            <a:pPr marL="457209" indent="-457209">
+              <a:spcAft>
+                <a:spcPts val="1200"/>
+              </a:spcAft>
+              <a:buFontTx/>
+              <a:buChar char="-"/>
+            </a:pPr>
+            <a:r>
+              <a:rPr lang="en-US" sz="4800" dirty="0">
+                <a:latin typeface="Arial" panose="020B0604020202020204" pitchFamily="34" charset="0"/>
+                <a:cs typeface="Arial" panose="020B0604020202020204" pitchFamily="34" charset="0"/>
+              </a:rPr>
+              <a:t>Design must be paired with other crashworthy crash cushion (in development) – future work</a:t>
+            </a:r>
+          </a:p>
+        </p:txBody>
+      </p:sp>
+      <p:sp>
+        <p:nvSpPr>
+          <p:cNvPr id="28" name="TextBox 27"/>
+          <p:cNvSpPr txBox="1"/>
+          <p:nvPr/>
+        </p:nvSpPr>
+        <p:spPr>
+          <a:xfrm>
+            <a:off x="43518574" y="13026377"/>
+            <a:ext cx="4064959" cy="523220"/>
+          </a:xfrm>
+          <a:prstGeom prst="rect">
+            <a:avLst/>
+          </a:prstGeom>
+          <a:noFill/>
+        </p:spPr>
+        <p:txBody>
+          <a:bodyPr wrap="none" rtlCol="0">
+            <a:spAutoFit/>
+          </a:bodyPr>
+          <a:lstStyle/>
+          <a:p>
+            <a:r>
+              <a:rPr lang="en-US" sz="2800" dirty="0">
+                <a:latin typeface="Arial" panose="020B0604020202020204" pitchFamily="34" charset="0"/>
+                <a:cs typeface="Arial" panose="020B0604020202020204" pitchFamily="34" charset="0"/>
+              </a:rPr>
+              <a:t>Energy Absorber Failure</a:t>
             </a:r>
           </a:p>
         </p:txBody>
       </p:sp>
       <p:pic>
         <p:nvPicPr>
-          <p:cNvPr id="89" name="Picture 88"/>
-          <p:cNvPicPr>
-            <a:picLocks noChangeAspect="1"/>
-          </p:cNvPicPr>
+          <p:cNvPr id="58" name="Picture 57"/>
+          <p:cNvPicPr/>
           <p:nvPr/>
         </p:nvPicPr>
         <p:blipFill>
-          <a:blip r:embed="rId6">
-            <a:extLst>
-              <a:ext uri="{28A0092B-C50C-407E-A947-70E740481C1C}">
-                <a14:useLocalDpi xmlns:a14="http://schemas.microsoft.com/office/drawing/2010/main" val="0"/>
-              </a:ext>
-            </a:extLst>
-          </a:blip>
+          <a:blip r:embed="rId5"/>
           <a:stretch>
             <a:fillRect/>
           </a:stretch>
         </p:blipFill>
         <p:spPr>
           <a:xfrm>
-            <a:off x="16238364" y="13959494"/>
-            <a:ext cx="16170306" cy="3793432"/>
+            <a:off x="18699357" y="7992377"/>
+            <a:ext cx="10614244" cy="8247611"/>
           </a:xfrm>
           <a:prstGeom prst="rect">
             <a:avLst/>
@@ -4191,13 +4125,45 @@
       </p:pic>
       <p:pic>
         <p:nvPicPr>
-          <p:cNvPr id="19" name="Picture 18"/>
-          <p:cNvPicPr>
-            <a:picLocks noChangeAspect="1"/>
-          </p:cNvPicPr>
+          <p:cNvPr id="40" name="Picture 39">
+            <a:extLst>
+              <a:ext uri="{FF2B5EF4-FFF2-40B4-BE49-F238E27FC236}">
+                <a16:creationId xmlns:a16="http://schemas.microsoft.com/office/drawing/2014/main" id="{EB5B5399-F825-464C-9F27-BDDBF732ACE5}"/>
+              </a:ext>
+            </a:extLst>
+          </p:cNvPr>
+          <p:cNvPicPr/>
           <p:nvPr/>
         </p:nvPicPr>
         <p:blipFill>
+          <a:blip r:embed="rId6"/>
+          <a:stretch>
+            <a:fillRect/>
+          </a:stretch>
+        </p:blipFill>
+        <p:spPr>
+          <a:xfrm>
+            <a:off x="20192045" y="21095788"/>
+            <a:ext cx="8879976" cy="11111341"/>
+          </a:xfrm>
+          <a:prstGeom prst="rect">
+            <a:avLst/>
+          </a:prstGeom>
+        </p:spPr>
+      </p:pic>
+      <p:pic>
+        <p:nvPicPr>
+          <p:cNvPr id="44" name="Picture 43">
+            <a:extLst>
+              <a:ext uri="{FF2B5EF4-FFF2-40B4-BE49-F238E27FC236}">
+                <a16:creationId xmlns:a16="http://schemas.microsoft.com/office/drawing/2014/main" id="{8A31D47B-2F80-40B8-8997-85AEEDF50CFF}"/>
+              </a:ext>
+            </a:extLst>
+          </p:cNvPr>
+          <p:cNvPicPr/>
+          <p:nvPr/>
+        </p:nvPicPr>
+        <p:blipFill rotWithShape="1">
           <a:blip r:embed="rId7">
             <a:extLst>
               <a:ext uri="{28A0092B-C50C-407E-A947-70E740481C1C}">
@@ -4205,292 +4171,36 @@
               </a:ext>
             </a:extLst>
           </a:blip>
-          <a:stretch>
-            <a:fillRect/>
-          </a:stretch>
+          <a:srcRect r="9897"/>
+          <a:stretch/>
         </p:blipFill>
-        <p:spPr>
-          <a:xfrm>
-            <a:off x="37954192" y="6292423"/>
-            <a:ext cx="9219561" cy="3164110"/>
-          </a:xfrm>
-          <a:prstGeom prst="rect">
-            <a:avLst/>
-          </a:prstGeom>
-        </p:spPr>
-      </p:pic>
-      <p:sp>
-        <p:nvSpPr>
-          <p:cNvPr id="20" name="TextBox 19"/>
-          <p:cNvSpPr txBox="1"/>
-          <p:nvPr/>
-        </p:nvSpPr>
-        <p:spPr>
-          <a:xfrm>
-            <a:off x="41145951" y="9275747"/>
-            <a:ext cx="2935612" cy="523220"/>
+        <p:spPr bwMode="auto">
+          <a:xfrm>
+            <a:off x="34005184" y="7263053"/>
+            <a:ext cx="7311516" cy="5654589"/>
           </a:xfrm>
           <a:prstGeom prst="rect">
             <a:avLst/>
           </a:prstGeom>
           <a:noFill/>
-        </p:spPr>
-        <p:txBody>
-          <a:bodyPr wrap="none" rtlCol="0">
-            <a:spAutoFit/>
-          </a:bodyPr>
-          <a:lstStyle/>
-          <a:p>
-            <a:r>
-              <a:rPr lang="en-US" sz="2800" dirty="0">
-                <a:latin typeface="Arial" panose="020B0604020202020204" pitchFamily="34" charset="0"/>
-                <a:cs typeface="Arial" panose="020B0604020202020204" pitchFamily="34" charset="0"/>
-              </a:rPr>
-              <a:t>Bogie Test Matrix</a:t>
-            </a:r>
-          </a:p>
-        </p:txBody>
-      </p:sp>
-      <p:sp>
-        <p:nvSpPr>
-          <p:cNvPr id="21" name="TextBox 20"/>
-          <p:cNvSpPr txBox="1"/>
-          <p:nvPr/>
-        </p:nvSpPr>
-        <p:spPr>
-          <a:xfrm>
-            <a:off x="34746875" y="14121515"/>
-            <a:ext cx="3265638" cy="523220"/>
-          </a:xfrm>
-          <a:prstGeom prst="rect">
-            <a:avLst/>
-          </a:prstGeom>
-          <a:noFill/>
-        </p:spPr>
-        <p:txBody>
-          <a:bodyPr wrap="none" rtlCol="0">
-            <a:spAutoFit/>
-          </a:bodyPr>
-          <a:lstStyle/>
-          <a:p>
-            <a:r>
-              <a:rPr lang="en-US" sz="2800" dirty="0">
-                <a:latin typeface="Arial" panose="020B0604020202020204" pitchFamily="34" charset="0"/>
-                <a:cs typeface="Arial" panose="020B0604020202020204" pitchFamily="34" charset="0"/>
-              </a:rPr>
-              <a:t>Initial Configuration</a:t>
-            </a:r>
-          </a:p>
-        </p:txBody>
-      </p:sp>
-      <p:sp>
-        <p:nvSpPr>
-          <p:cNvPr id="34" name="TextBox 33"/>
-          <p:cNvSpPr txBox="1"/>
-          <p:nvPr/>
-        </p:nvSpPr>
-        <p:spPr>
-          <a:xfrm>
-            <a:off x="47040827" y="14125647"/>
-            <a:ext cx="3645550" cy="523220"/>
-          </a:xfrm>
-          <a:prstGeom prst="rect">
-            <a:avLst/>
-          </a:prstGeom>
-          <a:noFill/>
-        </p:spPr>
-        <p:txBody>
-          <a:bodyPr wrap="none" rtlCol="0">
-            <a:spAutoFit/>
-          </a:bodyPr>
-          <a:lstStyle/>
-          <a:p>
-            <a:r>
-              <a:rPr lang="en-US" sz="2800" dirty="0">
-                <a:latin typeface="Arial" panose="020B0604020202020204" pitchFamily="34" charset="0"/>
-                <a:cs typeface="Arial" panose="020B0604020202020204" pitchFamily="34" charset="0"/>
-              </a:rPr>
-              <a:t>Second Configuration</a:t>
-            </a:r>
-          </a:p>
-        </p:txBody>
-      </p:sp>
-      <p:sp>
-        <p:nvSpPr>
-          <p:cNvPr id="62" name="TextBox 61"/>
-          <p:cNvSpPr txBox="1"/>
-          <p:nvPr/>
-        </p:nvSpPr>
-        <p:spPr>
-          <a:xfrm>
-            <a:off x="33261185" y="31438737"/>
-            <a:ext cx="17833987" cy="5570756"/>
-          </a:xfrm>
-          <a:prstGeom prst="rect">
-            <a:avLst/>
-          </a:prstGeom>
-          <a:noFill/>
-        </p:spPr>
-        <p:txBody>
-          <a:bodyPr wrap="square" rtlCol="0">
-            <a:spAutoFit/>
-          </a:bodyPr>
-          <a:lstStyle/>
-          <a:p>
-            <a:pPr marL="457209" indent="-457209">
-              <a:spcAft>
-                <a:spcPts val="1200"/>
-              </a:spcAft>
-              <a:buFontTx/>
-              <a:buChar char="-"/>
-            </a:pPr>
-            <a:r>
-              <a:rPr lang="en-US" sz="4800" dirty="0">
-                <a:latin typeface="Arial" panose="020B0604020202020204" pitchFamily="34" charset="0"/>
-                <a:cs typeface="Arial" panose="020B0604020202020204" pitchFamily="34" charset="0"/>
-              </a:rPr>
-              <a:t>Net attenuator selected for testing and stopped a 5,259-lb bogie vehicle traveling at  roughly 60 mph in 43 ft or less</a:t>
-            </a:r>
-          </a:p>
-          <a:p>
-            <a:pPr marL="457209" indent="-457209">
-              <a:spcAft>
-                <a:spcPts val="1200"/>
-              </a:spcAft>
-              <a:buFontTx/>
-              <a:buChar char="-"/>
-            </a:pPr>
-            <a:r>
-              <a:rPr lang="en-US" sz="4800" dirty="0">
-                <a:latin typeface="Arial" panose="020B0604020202020204" pitchFamily="34" charset="0"/>
-                <a:cs typeface="Arial" panose="020B0604020202020204" pitchFamily="34" charset="0"/>
-              </a:rPr>
-              <a:t>Component testing suggested design would work under variety of impact conditions, speeds, and angles, and was versatile for installation</a:t>
-            </a:r>
-          </a:p>
-          <a:p>
-            <a:pPr marL="457209" indent="-457209">
-              <a:spcAft>
-                <a:spcPts val="1200"/>
-              </a:spcAft>
-              <a:buFontTx/>
-              <a:buChar char="-"/>
-            </a:pPr>
-            <a:r>
-              <a:rPr lang="en-US" sz="4800" dirty="0">
-                <a:latin typeface="Arial" panose="020B0604020202020204" pitchFamily="34" charset="0"/>
-                <a:cs typeface="Arial" panose="020B0604020202020204" pitchFamily="34" charset="0"/>
-              </a:rPr>
-              <a:t>Design must be paired with other crashworthy crash cushion (in development) – future work</a:t>
-            </a:r>
-          </a:p>
-        </p:txBody>
-      </p:sp>
-      <p:sp>
-        <p:nvSpPr>
-          <p:cNvPr id="28" name="TextBox 27"/>
-          <p:cNvSpPr txBox="1"/>
-          <p:nvPr/>
-        </p:nvSpPr>
-        <p:spPr>
-          <a:xfrm>
-            <a:off x="41075988" y="14138019"/>
-            <a:ext cx="4064959" cy="523220"/>
-          </a:xfrm>
-          <a:prstGeom prst="rect">
-            <a:avLst/>
-          </a:prstGeom>
-          <a:noFill/>
-        </p:spPr>
-        <p:txBody>
-          <a:bodyPr wrap="none" rtlCol="0">
-            <a:spAutoFit/>
-          </a:bodyPr>
-          <a:lstStyle/>
-          <a:p>
-            <a:r>
-              <a:rPr lang="en-US" sz="2800" dirty="0">
-                <a:latin typeface="Arial" panose="020B0604020202020204" pitchFamily="34" charset="0"/>
-                <a:cs typeface="Arial" panose="020B0604020202020204" pitchFamily="34" charset="0"/>
-              </a:rPr>
-              <a:t>Energy Absorber Failure</a:t>
-            </a:r>
-          </a:p>
-        </p:txBody>
-      </p:sp>
-      <p:sp>
-        <p:nvSpPr>
-          <p:cNvPr id="29" name="TextBox 28"/>
-          <p:cNvSpPr txBox="1"/>
-          <p:nvPr/>
-        </p:nvSpPr>
-        <p:spPr>
-          <a:xfrm>
-            <a:off x="33951573" y="14742063"/>
-            <a:ext cx="16787834" cy="707886"/>
-          </a:xfrm>
-          <a:prstGeom prst="rect">
-            <a:avLst/>
-          </a:prstGeom>
-          <a:noFill/>
-        </p:spPr>
-        <p:txBody>
-          <a:bodyPr wrap="square" rtlCol="0">
-            <a:spAutoFit/>
-          </a:bodyPr>
-          <a:lstStyle/>
-          <a:p>
-            <a:r>
-              <a:rPr lang="en-US" sz="4000" dirty="0">
-                <a:latin typeface="Arial" panose="020B0604020202020204" pitchFamily="34" charset="0"/>
-                <a:cs typeface="Arial" panose="020B0604020202020204" pitchFamily="34" charset="0"/>
-              </a:rPr>
-              <a:t>IRA-4: 5,259-lb bogie at 59.5 mph and 90 degree impact angle on center  </a:t>
-            </a:r>
-          </a:p>
-        </p:txBody>
-      </p:sp>
-      <p:sp>
-        <p:nvSpPr>
-          <p:cNvPr id="59" name="TextBox 58"/>
-          <p:cNvSpPr txBox="1"/>
-          <p:nvPr/>
-        </p:nvSpPr>
-        <p:spPr>
-          <a:xfrm>
-            <a:off x="33951573" y="19427619"/>
-            <a:ext cx="16787834" cy="707886"/>
-          </a:xfrm>
-          <a:prstGeom prst="rect">
-            <a:avLst/>
-          </a:prstGeom>
-          <a:noFill/>
-        </p:spPr>
-        <p:txBody>
-          <a:bodyPr wrap="square" rtlCol="0">
-            <a:spAutoFit/>
-          </a:bodyPr>
-          <a:lstStyle/>
-          <a:p>
-            <a:r>
-              <a:rPr lang="en-US" sz="4000" dirty="0">
-                <a:latin typeface="Arial" panose="020B0604020202020204" pitchFamily="34" charset="0"/>
-                <a:cs typeface="Arial" panose="020B0604020202020204" pitchFamily="34" charset="0"/>
-              </a:rPr>
-              <a:t>IRA-3: 5,259-lb bogie at 58.0 mph and 60 degree impact angle off center  </a:t>
-            </a:r>
-          </a:p>
-        </p:txBody>
-      </p:sp>
+          <a:ln>
+            <a:noFill/>
+          </a:ln>
+        </p:spPr>
+      </p:pic>
       <p:pic>
         <p:nvPicPr>
-          <p:cNvPr id="54" name="Picture 53"/>
-          <p:cNvPicPr>
-            <a:picLocks noChangeAspect="1"/>
-          </p:cNvPicPr>
+          <p:cNvPr id="45" name="Picture 44">
+            <a:extLst>
+              <a:ext uri="{FF2B5EF4-FFF2-40B4-BE49-F238E27FC236}">
+                <a16:creationId xmlns:a16="http://schemas.microsoft.com/office/drawing/2014/main" id="{4CA2AD2D-D287-4D31-8A64-679EBB6ECCDA}"/>
+              </a:ext>
+            </a:extLst>
+          </p:cNvPr>
+          <p:cNvPicPr/>
           <p:nvPr/>
         </p:nvPicPr>
-        <p:blipFill>
+        <p:blipFill rotWithShape="1">
           <a:blip r:embed="rId8">
             <a:extLst>
               <a:ext uri="{28A0092B-C50C-407E-A947-70E740481C1C}">
@@ -4498,72 +4208,139 @@
               </a:ext>
             </a:extLst>
           </a:blip>
+          <a:srcRect t="14228" b="10916"/>
+          <a:stretch/>
+        </p:blipFill>
+        <p:spPr bwMode="auto">
+          <a:xfrm>
+            <a:off x="42121527" y="7317710"/>
+            <a:ext cx="6770822" cy="5570905"/>
+          </a:xfrm>
+          <a:prstGeom prst="rect">
+            <a:avLst/>
+          </a:prstGeom>
+          <a:noFill/>
+          <a:ln>
+            <a:noFill/>
+          </a:ln>
+          <a:extLst>
+            <a:ext uri="{53640926-AAD7-44D8-BBD7-CCE9431645EC}">
+              <a14:shadowObscured xmlns:a14="http://schemas.microsoft.com/office/drawing/2010/main"/>
+            </a:ext>
+          </a:extLst>
+        </p:spPr>
+      </p:pic>
+      <p:pic>
+        <p:nvPicPr>
+          <p:cNvPr id="46" name="Picture 45">
+            <a:extLst>
+              <a:ext uri="{FF2B5EF4-FFF2-40B4-BE49-F238E27FC236}">
+                <a16:creationId xmlns:a16="http://schemas.microsoft.com/office/drawing/2014/main" id="{1276F1F7-1564-44DC-A6E4-D407AB1D3C80}"/>
+              </a:ext>
+            </a:extLst>
+          </p:cNvPr>
+          <p:cNvPicPr/>
+          <p:nvPr/>
+        </p:nvPicPr>
+        <p:blipFill>
+          <a:blip r:embed="rId9">
+            <a:extLst>
+              <a:ext uri="{28A0092B-C50C-407E-A947-70E740481C1C}">
+                <a14:useLocalDpi xmlns:a14="http://schemas.microsoft.com/office/drawing/2010/main" val="0"/>
+              </a:ext>
+            </a:extLst>
+          </a:blip>
+          <a:srcRect/>
           <a:stretch>
             <a:fillRect/>
           </a:stretch>
         </p:blipFill>
-        <p:spPr>
-          <a:xfrm>
-            <a:off x="35598138" y="26224890"/>
-            <a:ext cx="13494704" cy="3176769"/>
-          </a:xfrm>
-          <a:prstGeom prst="rect">
-            <a:avLst/>
-          </a:prstGeom>
-        </p:spPr>
-      </p:pic>
-      <p:sp>
-        <p:nvSpPr>
-          <p:cNvPr id="55" name="TextBox 54"/>
-          <p:cNvSpPr txBox="1"/>
-          <p:nvPr/>
-        </p:nvSpPr>
-        <p:spPr>
-          <a:xfrm>
-            <a:off x="38982645" y="25455449"/>
-            <a:ext cx="6426759" cy="769441"/>
+        <p:spPr bwMode="auto">
+          <a:xfrm>
+            <a:off x="34475633" y="13845667"/>
+            <a:ext cx="7255056" cy="5222347"/>
           </a:xfrm>
           <a:prstGeom prst="rect">
             <a:avLst/>
           </a:prstGeom>
           <a:noFill/>
-        </p:spPr>
-        <p:txBody>
-          <a:bodyPr wrap="none" rtlCol="0">
-            <a:spAutoFit/>
-          </a:bodyPr>
-          <a:lstStyle/>
-          <a:p>
-            <a:r>
-              <a:rPr lang="en-US" sz="4400" dirty="0">
-                <a:latin typeface="Arial" panose="020B0604020202020204" pitchFamily="34" charset="0"/>
-                <a:cs typeface="Arial" panose="020B0604020202020204" pitchFamily="34" charset="0"/>
-              </a:rPr>
-              <a:t>Occupant Risk Summary</a:t>
-            </a:r>
-          </a:p>
-        </p:txBody>
-      </p:sp>
+          <a:ln>
+            <a:noFill/>
+          </a:ln>
+        </p:spPr>
+      </p:pic>
       <p:pic>
         <p:nvPicPr>
-          <p:cNvPr id="58" name="Picture 57"/>
+          <p:cNvPr id="47" name="Picture 46">
+            <a:extLst>
+              <a:ext uri="{FF2B5EF4-FFF2-40B4-BE49-F238E27FC236}">
+                <a16:creationId xmlns:a16="http://schemas.microsoft.com/office/drawing/2014/main" id="{852833D1-9AA4-4C90-BA6E-5FBF98976C54}"/>
+              </a:ext>
+            </a:extLst>
+          </p:cNvPr>
           <p:cNvPicPr/>
           <p:nvPr/>
         </p:nvPicPr>
         <p:blipFill>
-          <a:blip r:embed="rId9"/>
+          <a:blip r:embed="rId10">
+            <a:extLst>
+              <a:ext uri="{28A0092B-C50C-407E-A947-70E740481C1C}">
+                <a14:useLocalDpi xmlns:a14="http://schemas.microsoft.com/office/drawing/2010/main" val="0"/>
+              </a:ext>
+            </a:extLst>
+          </a:blip>
+          <a:srcRect/>
           <a:stretch>
             <a:fillRect/>
           </a:stretch>
         </p:blipFill>
-        <p:spPr>
-          <a:xfrm>
-            <a:off x="31496514" y="12184933"/>
-            <a:ext cx="16719557" cy="11713138"/>
+        <p:spPr bwMode="auto">
+          <a:xfrm>
+            <a:off x="42146028" y="13576366"/>
+            <a:ext cx="6393051" cy="5311983"/>
           </a:xfrm>
           <a:prstGeom prst="rect">
             <a:avLst/>
           </a:prstGeom>
+          <a:noFill/>
+          <a:ln>
+            <a:noFill/>
+          </a:ln>
+        </p:spPr>
+      </p:pic>
+      <p:pic>
+        <p:nvPicPr>
+          <p:cNvPr id="50" name="Picture 49">
+            <a:extLst>
+              <a:ext uri="{FF2B5EF4-FFF2-40B4-BE49-F238E27FC236}">
+                <a16:creationId xmlns:a16="http://schemas.microsoft.com/office/drawing/2014/main" id="{EB58544B-067D-4850-87F0-52D17BF9B4CE}"/>
+              </a:ext>
+            </a:extLst>
+          </p:cNvPr>
+          <p:cNvPicPr/>
+          <p:nvPr/>
+        </p:nvPicPr>
+        <p:blipFill rotWithShape="1">
+          <a:blip r:embed="rId11"/>
+          <a:srcRect l="3012" r="4284"/>
+          <a:stretch/>
+        </p:blipFill>
+        <p:spPr bwMode="auto">
+          <a:xfrm>
+            <a:off x="891758" y="19151933"/>
+            <a:ext cx="12936704" cy="6259414"/>
+          </a:xfrm>
+          <a:prstGeom prst="rect">
+            <a:avLst/>
+          </a:prstGeom>
+          <a:ln>
+            <a:noFill/>
+          </a:ln>
+          <a:extLst>
+            <a:ext uri="{53640926-AAD7-44D8-BBD7-CCE9431645EC}">
+              <a14:shadowObscured xmlns:a14="http://schemas.microsoft.com/office/drawing/2010/main"/>
+            </a:ext>
+          </a:extLst>
         </p:spPr>
       </p:pic>
     </p:spTree>

--- a/files/SAE/TRB-ImpactAttenuationSystem-Poster - BDS_v2.pptx
+++ b/files/SAE/TRB-ImpactAttenuationSystem-Poster - BDS_v2.pptx
@@ -255,7 +255,7 @@
           <a:p>
             <a:fld id="{563E111F-98C8-4E70-A91E-7E1DDAA7F2CF}" type="datetimeFigureOut">
               <a:rPr lang="en-US" smtClean="0"/>
-              <a:t>12/19/2019</a:t>
+              <a:t>12/22/2019</a:t>
             </a:fld>
             <a:endParaRPr lang="en-US" dirty="0"/>
           </a:p>
@@ -425,7 +425,7 @@
           <a:p>
             <a:fld id="{563E111F-98C8-4E70-A91E-7E1DDAA7F2CF}" type="datetimeFigureOut">
               <a:rPr lang="en-US" smtClean="0"/>
-              <a:t>12/19/2019</a:t>
+              <a:t>12/22/2019</a:t>
             </a:fld>
             <a:endParaRPr lang="en-US" dirty="0"/>
           </a:p>
@@ -605,7 +605,7 @@
           <a:p>
             <a:fld id="{563E111F-98C8-4E70-A91E-7E1DDAA7F2CF}" type="datetimeFigureOut">
               <a:rPr lang="en-US" smtClean="0"/>
-              <a:t>12/19/2019</a:t>
+              <a:t>12/22/2019</a:t>
             </a:fld>
             <a:endParaRPr lang="en-US" dirty="0"/>
           </a:p>
@@ -775,7 +775,7 @@
           <a:p>
             <a:fld id="{563E111F-98C8-4E70-A91E-7E1DDAA7F2CF}" type="datetimeFigureOut">
               <a:rPr lang="en-US" smtClean="0"/>
-              <a:t>12/19/2019</a:t>
+              <a:t>12/22/2019</a:t>
             </a:fld>
             <a:endParaRPr lang="en-US" dirty="0"/>
           </a:p>
@@ -1019,7 +1019,7 @@
           <a:p>
             <a:fld id="{563E111F-98C8-4E70-A91E-7E1DDAA7F2CF}" type="datetimeFigureOut">
               <a:rPr lang="en-US" smtClean="0"/>
-              <a:t>12/19/2019</a:t>
+              <a:t>12/22/2019</a:t>
             </a:fld>
             <a:endParaRPr lang="en-US" dirty="0"/>
           </a:p>
@@ -1251,7 +1251,7 @@
           <a:p>
             <a:fld id="{563E111F-98C8-4E70-A91E-7E1DDAA7F2CF}" type="datetimeFigureOut">
               <a:rPr lang="en-US" smtClean="0"/>
-              <a:t>12/19/2019</a:t>
+              <a:t>12/22/2019</a:t>
             </a:fld>
             <a:endParaRPr lang="en-US" dirty="0"/>
           </a:p>
@@ -1618,7 +1618,7 @@
           <a:p>
             <a:fld id="{563E111F-98C8-4E70-A91E-7E1DDAA7F2CF}" type="datetimeFigureOut">
               <a:rPr lang="en-US" smtClean="0"/>
-              <a:t>12/19/2019</a:t>
+              <a:t>12/22/2019</a:t>
             </a:fld>
             <a:endParaRPr lang="en-US" dirty="0"/>
           </a:p>
@@ -1736,7 +1736,7 @@
           <a:p>
             <a:fld id="{563E111F-98C8-4E70-A91E-7E1DDAA7F2CF}" type="datetimeFigureOut">
               <a:rPr lang="en-US" smtClean="0"/>
-              <a:t>12/19/2019</a:t>
+              <a:t>12/22/2019</a:t>
             </a:fld>
             <a:endParaRPr lang="en-US" dirty="0"/>
           </a:p>
@@ -1831,7 +1831,7 @@
           <a:p>
             <a:fld id="{563E111F-98C8-4E70-A91E-7E1DDAA7F2CF}" type="datetimeFigureOut">
               <a:rPr lang="en-US" smtClean="0"/>
-              <a:t>12/19/2019</a:t>
+              <a:t>12/22/2019</a:t>
             </a:fld>
             <a:endParaRPr lang="en-US" dirty="0"/>
           </a:p>
@@ -2108,7 +2108,7 @@
           <a:p>
             <a:fld id="{563E111F-98C8-4E70-A91E-7E1DDAA7F2CF}" type="datetimeFigureOut">
               <a:rPr lang="en-US" smtClean="0"/>
-              <a:t>12/19/2019</a:t>
+              <a:t>12/22/2019</a:t>
             </a:fld>
             <a:endParaRPr lang="en-US" dirty="0"/>
           </a:p>
@@ -2364,7 +2364,7 @@
           <a:p>
             <a:fld id="{563E111F-98C8-4E70-A91E-7E1DDAA7F2CF}" type="datetimeFigureOut">
               <a:rPr lang="en-US" smtClean="0"/>
-              <a:t>12/19/2019</a:t>
+              <a:t>12/22/2019</a:t>
             </a:fld>
             <a:endParaRPr lang="en-US" dirty="0"/>
           </a:p>
@@ -2577,7 +2577,7 @@
           <a:p>
             <a:fld id="{563E111F-98C8-4E70-A91E-7E1DDAA7F2CF}" type="datetimeFigureOut">
               <a:rPr lang="en-US" smtClean="0"/>
-              <a:t>12/19/2019</a:t>
+              <a:t>12/22/2019</a:t>
             </a:fld>
             <a:endParaRPr lang="en-US" dirty="0"/>
           </a:p>
@@ -3033,7 +3033,7 @@
         </p:nvSpPr>
         <p:spPr>
           <a:xfrm>
-            <a:off x="86833" y="18136270"/>
+            <a:off x="-273" y="16838005"/>
             <a:ext cx="15728137" cy="1015663"/>
           </a:xfrm>
           <a:prstGeom prst="rect">
@@ -3063,7 +3063,7 @@
                 <a:latin typeface="Arial" panose="020B0604020202020204" pitchFamily="34" charset="0"/>
                 <a:cs typeface="Arial" panose="020B0604020202020204" pitchFamily="34" charset="0"/>
               </a:rPr>
-              <a:t>METHODOLOGY</a:t>
+              <a:t>METHOD FORMULATION</a:t>
             </a:r>
           </a:p>
         </p:txBody>
@@ -3235,7 +3235,7 @@
                 <a:latin typeface="Arial" panose="020B0604020202020204" pitchFamily="34" charset="0"/>
                 <a:cs typeface="Arial" panose="020B0604020202020204" pitchFamily="34" charset="0"/>
               </a:rPr>
-              <a:t>COMPONENT TESTING</a:t>
+              <a:t>MODEL IMPLEMENTATION </a:t>
             </a:r>
           </a:p>
         </p:txBody>
@@ -3510,7 +3510,7 @@
         </p:nvCxnSpPr>
         <p:spPr>
           <a:xfrm>
-            <a:off x="33170407" y="4492402"/>
+            <a:off x="33199094" y="4474250"/>
             <a:ext cx="24103" cy="33525552"/>
           </a:xfrm>
           <a:prstGeom prst="line">
@@ -3624,8 +3624,8 @@
         </p:nvSpPr>
         <p:spPr>
           <a:xfrm>
-            <a:off x="148733" y="10719109"/>
-            <a:ext cx="15628406" cy="6463308"/>
+            <a:off x="2278" y="10433951"/>
+            <a:ext cx="15628406" cy="3939540"/>
           </a:xfrm>
           <a:prstGeom prst="rect">
             <a:avLst/>
@@ -3638,7 +3638,7 @@
           </a:bodyPr>
           <a:lstStyle/>
           <a:p>
-            <a:pPr marL="457209" indent="-457209">
+            <a:pPr marL="457209" indent="-457209" algn="just">
               <a:spcAft>
                 <a:spcPts val="1200"/>
               </a:spcAft>
@@ -3654,7 +3654,7 @@
             </a:r>
           </a:p>
           <a:p>
-            <a:pPr marL="457209" indent="-457209">
+            <a:pPr marL="457209" indent="-457209" algn="just">
               <a:spcAft>
                 <a:spcPts val="1200"/>
               </a:spcAft>
@@ -3667,38 +3667,6 @@
                 <a:cs typeface="Arial" panose="020B0604020202020204" pitchFamily="34" charset="0"/>
               </a:rPr>
               <a:t>Tremendous growth has been achieved in “Advanced Driver Assistance Systems”</a:t>
-            </a:r>
-          </a:p>
-          <a:p>
-            <a:pPr marL="457209" indent="-457209">
-              <a:spcAft>
-                <a:spcPts val="1200"/>
-              </a:spcAft>
-              <a:buFontTx/>
-              <a:buChar char="-"/>
-            </a:pPr>
-            <a:r>
-              <a:rPr lang="en-US" sz="4800" dirty="0">
-                <a:latin typeface="Arial" panose="020B0604020202020204" pitchFamily="34" charset="0"/>
-                <a:cs typeface="Arial" panose="020B0604020202020204" pitchFamily="34" charset="0"/>
-              </a:rPr>
-              <a:t>Need low-cost, crashworthy solution functional for many impact conditions and with narrow footprint</a:t>
-            </a:r>
-          </a:p>
-          <a:p>
-            <a:pPr marL="457209" indent="-457209">
-              <a:spcAft>
-                <a:spcPts val="1200"/>
-              </a:spcAft>
-              <a:buFontTx/>
-              <a:buChar char="-"/>
-            </a:pPr>
-            <a:r>
-              <a:rPr lang="en-US" sz="4800" dirty="0">
-                <a:latin typeface="Arial" panose="020B0604020202020204" pitchFamily="34" charset="0"/>
-                <a:cs typeface="Arial" panose="020B0604020202020204" pitchFamily="34" charset="0"/>
-              </a:rPr>
-              <a:t>Example: bridge adjacent to intersection</a:t>
             </a:r>
           </a:p>
         </p:txBody>
@@ -3742,7 +3710,7 @@
         <p:spPr>
           <a:xfrm>
             <a:off x="16234353" y="5874396"/>
-            <a:ext cx="16614300" cy="1723549"/>
+            <a:ext cx="16614300" cy="830997"/>
           </a:xfrm>
           <a:prstGeom prst="rect">
             <a:avLst/>
@@ -3770,6 +3738,29 @@
               <a:t>Objectives &amp; Criteria</a:t>
             </a:r>
           </a:p>
+        </p:txBody>
+      </p:sp>
+      <p:sp>
+        <p:nvSpPr>
+          <p:cNvPr id="49" name="TextBox 48"/>
+          <p:cNvSpPr txBox="1"/>
+          <p:nvPr/>
+        </p:nvSpPr>
+        <p:spPr>
+          <a:xfrm>
+            <a:off x="33261185" y="5550278"/>
+            <a:ext cx="17833987" cy="769441"/>
+          </a:xfrm>
+          <a:prstGeom prst="rect">
+            <a:avLst/>
+          </a:prstGeom>
+          <a:noFill/>
+        </p:spPr>
+        <p:txBody>
+          <a:bodyPr wrap="square" rtlCol="0">
+            <a:spAutoFit/>
+          </a:bodyPr>
+          <a:lstStyle/>
           <a:p>
             <a:pPr marL="457209" indent="-457209">
               <a:spcAft>
@@ -3779,50 +3770,11 @@
               <a:buChar char="-"/>
             </a:pPr>
             <a:r>
-              <a:rPr lang="en-US" sz="4800" dirty="0">
-                <a:latin typeface="Arial" panose="020B0604020202020204" pitchFamily="34" charset="0"/>
-                <a:cs typeface="Arial" panose="020B0604020202020204" pitchFamily="34" charset="0"/>
-              </a:rPr>
-              <a:t>Impact conditions determined by length of need</a:t>
-            </a:r>
-          </a:p>
-        </p:txBody>
-      </p:sp>
-      <p:sp>
-        <p:nvSpPr>
-          <p:cNvPr id="49" name="TextBox 48"/>
-          <p:cNvSpPr txBox="1"/>
-          <p:nvPr/>
-        </p:nvSpPr>
-        <p:spPr>
-          <a:xfrm>
-            <a:off x="33261185" y="5550278"/>
-            <a:ext cx="17833987" cy="1446550"/>
-          </a:xfrm>
-          <a:prstGeom prst="rect">
-            <a:avLst/>
-          </a:prstGeom>
-          <a:noFill/>
-        </p:spPr>
-        <p:txBody>
-          <a:bodyPr wrap="square" rtlCol="0">
-            <a:spAutoFit/>
-          </a:bodyPr>
-          <a:lstStyle/>
-          <a:p>
-            <a:pPr marL="457209" indent="-457209">
-              <a:spcAft>
-                <a:spcPts val="1200"/>
-              </a:spcAft>
-              <a:buFontTx/>
-              <a:buChar char="-"/>
-            </a:pPr>
-            <a:r>
               <a:rPr lang="en-US" sz="4400" dirty="0">
                 <a:latin typeface="Arial" panose="020B0604020202020204" pitchFamily="34" charset="0"/>
                 <a:cs typeface="Arial" panose="020B0604020202020204" pitchFamily="34" charset="0"/>
               </a:rPr>
-              <a:t>4 dynamic bogie tests were conducted on the Dragnet Vehicle Arresting Barrier</a:t>
+              <a:t>AASHTO Base Model</a:t>
             </a:r>
           </a:p>
         </p:txBody>
@@ -3860,77 +3812,205 @@
           </a:p>
         </p:txBody>
       </p:sp>
-      <p:sp>
-        <p:nvSpPr>
-          <p:cNvPr id="66" name="TextBox 65"/>
-          <p:cNvSpPr txBox="1"/>
-          <p:nvPr/>
-        </p:nvSpPr>
-        <p:spPr>
-          <a:xfrm>
-            <a:off x="148733" y="34298490"/>
-            <a:ext cx="15226292" cy="2616101"/>
-          </a:xfrm>
-          <a:prstGeom prst="rect">
-            <a:avLst/>
-          </a:prstGeom>
-          <a:noFill/>
-        </p:spPr>
-        <p:txBody>
-          <a:bodyPr wrap="square" rtlCol="0">
-            <a:spAutoFit/>
-          </a:bodyPr>
-          <a:lstStyle/>
-          <a:p>
-            <a:pPr marL="457209" indent="-457209">
-              <a:spcAft>
-                <a:spcPts val="1200"/>
-              </a:spcAft>
-              <a:buFontTx/>
-              <a:buChar char="-"/>
-            </a:pPr>
-            <a:r>
-              <a:rPr lang="en-US" sz="4800" dirty="0">
-                <a:latin typeface="Arial" panose="020B0604020202020204" pitchFamily="34" charset="0"/>
-                <a:cs typeface="Arial" panose="020B0604020202020204" pitchFamily="34" charset="0"/>
-              </a:rPr>
-              <a:t>Review existing systems and applications</a:t>
-            </a:r>
-          </a:p>
-          <a:p>
-            <a:pPr marL="457209" indent="-457209">
-              <a:spcAft>
-                <a:spcPts val="1200"/>
-              </a:spcAft>
-              <a:buFontTx/>
-              <a:buChar char="-"/>
-            </a:pPr>
-            <a:r>
-              <a:rPr lang="en-US" sz="4800" dirty="0">
-                <a:latin typeface="Arial" panose="020B0604020202020204" pitchFamily="34" charset="0"/>
-                <a:cs typeface="Arial" panose="020B0604020202020204" pitchFamily="34" charset="0"/>
-              </a:rPr>
-              <a:t>Develop narrow-footprint concepts</a:t>
-            </a:r>
-          </a:p>
-          <a:p>
-            <a:pPr marL="457209" indent="-457209">
-              <a:spcAft>
-                <a:spcPts val="1200"/>
-              </a:spcAft>
-              <a:buFontTx/>
-              <a:buChar char="-"/>
-            </a:pPr>
-            <a:r>
-              <a:rPr lang="en-US" sz="4800" dirty="0">
-                <a:latin typeface="Arial" panose="020B0604020202020204" pitchFamily="34" charset="0"/>
-                <a:cs typeface="Arial" panose="020B0604020202020204" pitchFamily="34" charset="0"/>
-              </a:rPr>
-              <a:t>Component test &amp; measure reactions</a:t>
-            </a:r>
-          </a:p>
-        </p:txBody>
-      </p:sp>
+      <mc:AlternateContent xmlns:mc="http://schemas.openxmlformats.org/markup-compatibility/2006">
+        <mc:Choice xmlns:a14="http://schemas.microsoft.com/office/drawing/2010/main" Requires="a14">
+          <p:sp>
+            <p:nvSpPr>
+              <p:cNvPr id="66" name="TextBox 65"/>
+              <p:cNvSpPr txBox="1"/>
+              <p:nvPr/>
+            </p:nvSpPr>
+            <p:spPr>
+              <a:xfrm>
+                <a:off x="3917198" y="29801036"/>
+                <a:ext cx="7527775" cy="1310936"/>
+              </a:xfrm>
+              <a:prstGeom prst="rect">
+                <a:avLst/>
+              </a:prstGeom>
+              <a:noFill/>
+            </p:spPr>
+            <p:txBody>
+              <a:bodyPr wrap="square" rtlCol="0">
+                <a:spAutoFit/>
+              </a:bodyPr>
+              <a:lstStyle/>
+              <a:p>
+                <a:pPr algn="ctr">
+                  <a:spcAft>
+                    <a:spcPts val="1200"/>
+                  </a:spcAft>
+                </a:pPr>
+                <a:r>
+                  <a:rPr lang="en-US" sz="5400" dirty="0">
+                    <a:latin typeface="Arial" panose="020B0604020202020204" pitchFamily="34" charset="0"/>
+                    <a:cs typeface="Arial" panose="020B0604020202020204" pitchFamily="34" charset="0"/>
+                  </a:rPr>
+                  <a:t>𝜃 = </a:t>
+                </a:r>
+                <a14:m>
+                  <m:oMath xmlns:m="http://schemas.openxmlformats.org/officeDocument/2006/math">
+                    <m:f>
+                      <m:fPr>
+                        <m:ctrlPr>
+                          <a:rPr lang="en-US" sz="5400" b="0" i="1" smtClean="0">
+                            <a:latin typeface="Cambria Math" panose="02040503050406030204" pitchFamily="18" charset="0"/>
+                            <a:cs typeface="Arial" panose="020B0604020202020204" pitchFamily="34" charset="0"/>
+                          </a:rPr>
+                        </m:ctrlPr>
+                      </m:fPr>
+                      <m:num>
+                        <m:r>
+                          <a:rPr lang="en-US" sz="5400" b="0" i="1" smtClean="0">
+                            <a:latin typeface="Cambria Math" panose="02040503050406030204" pitchFamily="18" charset="0"/>
+                            <a:cs typeface="Arial" panose="020B0604020202020204" pitchFamily="34" charset="0"/>
+                          </a:rPr>
+                          <m:t>𝑠</m:t>
+                        </m:r>
+                      </m:num>
+                      <m:den>
+                        <m:r>
+                          <a:rPr lang="en-US" sz="5400" b="0" i="1" smtClean="0">
+                            <a:latin typeface="Cambria Math" panose="02040503050406030204" pitchFamily="18" charset="0"/>
+                            <a:cs typeface="Arial" panose="020B0604020202020204" pitchFamily="34" charset="0"/>
+                          </a:rPr>
+                          <m:t>𝜌</m:t>
+                        </m:r>
+                      </m:den>
+                    </m:f>
+                    <m:r>
+                      <a:rPr lang="en-US" sz="5400" b="0" i="0" smtClean="0">
+                        <a:latin typeface="Cambria Math" panose="02040503050406030204" pitchFamily="18" charset="0"/>
+                        <a:cs typeface="Arial" panose="020B0604020202020204" pitchFamily="34" charset="0"/>
+                      </a:rPr>
+                      <m:t>  →    </m:t>
+                    </m:r>
+                  </m:oMath>
+                </a14:m>
+                <a:r>
+                  <a:rPr lang="el-GR" sz="5400" dirty="0">
+                    <a:latin typeface="Arial" panose="020B0604020202020204" pitchFamily="34" charset="0"/>
+                    <a:cs typeface="Arial" panose="020B0604020202020204" pitchFamily="34" charset="0"/>
+                  </a:rPr>
+                  <a:t>Δ𝑠</a:t>
+                </a:r>
+                <a:r>
+                  <a:rPr lang="en-US" sz="5400" dirty="0">
+                    <a:latin typeface="Arial" panose="020B0604020202020204" pitchFamily="34" charset="0"/>
+                    <a:cs typeface="Arial" panose="020B0604020202020204" pitchFamily="34" charset="0"/>
+                  </a:rPr>
+                  <a:t> </a:t>
+                </a:r>
+                <a:r>
+                  <a:rPr lang="el-GR" sz="5400" dirty="0">
+                    <a:latin typeface="Arial" panose="020B0604020202020204" pitchFamily="34" charset="0"/>
+                    <a:cs typeface="Arial" panose="020B0604020202020204" pitchFamily="34" charset="0"/>
+                  </a:rPr>
+                  <a:t>= </a:t>
+                </a:r>
+                <a14:m>
+                  <m:oMath xmlns:m="http://schemas.openxmlformats.org/officeDocument/2006/math">
+                    <m:nary>
+                      <m:naryPr>
+                        <m:limLoc m:val="undOvr"/>
+                        <m:subHide m:val="on"/>
+                        <m:supHide m:val="on"/>
+                        <m:ctrlPr>
+                          <a:rPr lang="en-US" sz="5400" b="0" i="1" smtClean="0">
+                            <a:latin typeface="Cambria Math" panose="02040503050406030204" pitchFamily="18" charset="0"/>
+                            <a:cs typeface="Arial" panose="020B0604020202020204" pitchFamily="34" charset="0"/>
+                          </a:rPr>
+                        </m:ctrlPr>
+                      </m:naryPr>
+                      <m:sub/>
+                      <m:sup/>
+                      <m:e>
+                        <m:f>
+                          <m:fPr>
+                            <m:ctrlPr>
+                              <a:rPr lang="en-US" sz="5400" i="1">
+                                <a:latin typeface="Cambria Math" panose="02040503050406030204" pitchFamily="18" charset="0"/>
+                                <a:cs typeface="Arial" panose="020B0604020202020204" pitchFamily="34" charset="0"/>
+                              </a:rPr>
+                            </m:ctrlPr>
+                          </m:fPr>
+                          <m:num>
+                            <m:r>
+                              <a:rPr lang="el-GR" sz="5400" i="1">
+                                <a:latin typeface="Cambria Math" panose="02040503050406030204" pitchFamily="18" charset="0"/>
+                                <a:cs typeface="Arial" panose="020B0604020202020204" pitchFamily="34" charset="0"/>
+                              </a:rPr>
+                              <m:t>𝑑</m:t>
+                            </m:r>
+                            <m:r>
+                              <a:rPr lang="el-GR" sz="5400" i="1">
+                                <a:latin typeface="Cambria Math" panose="02040503050406030204" pitchFamily="18" charset="0"/>
+                                <a:cs typeface="Arial" panose="020B0604020202020204" pitchFamily="34" charset="0"/>
+                              </a:rPr>
+                              <m:t>𝜃</m:t>
+                            </m:r>
+                          </m:num>
+                          <m:den>
+                            <m:r>
+                              <a:rPr lang="el-GR" sz="5400" i="1">
+                                <a:latin typeface="Cambria Math" panose="02040503050406030204" pitchFamily="18" charset="0"/>
+                                <a:cs typeface="Arial" panose="020B0604020202020204" pitchFamily="34" charset="0"/>
+                              </a:rPr>
+                              <m:t>𝜅</m:t>
+                            </m:r>
+                          </m:den>
+                        </m:f>
+                      </m:e>
+                    </m:nary>
+                  </m:oMath>
+                </a14:m>
+                <a:endParaRPr lang="en-US" sz="5400" dirty="0">
+                  <a:latin typeface="Arial" panose="020B0604020202020204" pitchFamily="34" charset="0"/>
+                  <a:cs typeface="Arial" panose="020B0604020202020204" pitchFamily="34" charset="0"/>
+                </a:endParaRPr>
+              </a:p>
+            </p:txBody>
+          </p:sp>
+        </mc:Choice>
+        <mc:Fallback>
+          <p:sp>
+            <p:nvSpPr>
+              <p:cNvPr id="66" name="TextBox 65"/>
+              <p:cNvSpPr txBox="1">
+                <a:spLocks noRot="1" noChangeAspect="1" noMove="1" noResize="1" noEditPoints="1" noAdjustHandles="1" noChangeArrowheads="1" noChangeShapeType="1" noTextEdit="1"/>
+              </p:cNvSpPr>
+              <p:nvPr/>
+            </p:nvSpPr>
+            <p:spPr>
+              <a:xfrm>
+                <a:off x="3917198" y="29801036"/>
+                <a:ext cx="7527775" cy="1310936"/>
+              </a:xfrm>
+              <a:prstGeom prst="rect">
+                <a:avLst/>
+              </a:prstGeom>
+              <a:blipFill>
+                <a:blip r:embed="rId5"/>
+                <a:stretch>
+                  <a:fillRect t="-3256" b="-7907"/>
+                </a:stretch>
+              </a:blipFill>
+            </p:spPr>
+            <p:txBody>
+              <a:bodyPr/>
+              <a:lstStyle/>
+              <a:p>
+                <a:r>
+                  <a:rPr lang="en-US">
+                    <a:noFill/>
+                  </a:rPr>
+                  <a:t> </a:t>
+                </a:r>
+              </a:p>
+            </p:txBody>
+          </p:sp>
+        </mc:Fallback>
+      </mc:AlternateContent>
       <p:cxnSp>
         <p:nvCxnSpPr>
           <p:cNvPr id="68" name="Straight Connector 67"/>
@@ -3968,38 +4048,6 @@
       </p:cxnSp>
       <p:sp>
         <p:nvSpPr>
-          <p:cNvPr id="21" name="TextBox 20"/>
-          <p:cNvSpPr txBox="1"/>
-          <p:nvPr/>
-        </p:nvSpPr>
-        <p:spPr>
-          <a:xfrm>
-            <a:off x="36914616" y="13302605"/>
-            <a:ext cx="3265638" cy="523220"/>
-          </a:xfrm>
-          <a:prstGeom prst="rect">
-            <a:avLst/>
-          </a:prstGeom>
-          <a:noFill/>
-        </p:spPr>
-        <p:txBody>
-          <a:bodyPr wrap="none" rtlCol="0">
-            <a:spAutoFit/>
-          </a:bodyPr>
-          <a:lstStyle/>
-          <a:p>
-            <a:r>
-              <a:rPr lang="en-US" sz="2800" dirty="0">
-                <a:latin typeface="Arial" panose="020B0604020202020204" pitchFamily="34" charset="0"/>
-                <a:cs typeface="Arial" panose="020B0604020202020204" pitchFamily="34" charset="0"/>
-              </a:rPr>
-              <a:t>Initial Configuration</a:t>
-            </a:r>
-          </a:p>
-        </p:txBody>
-      </p:sp>
-      <p:sp>
-        <p:nvSpPr>
           <p:cNvPr id="62" name="TextBox 61"/>
           <p:cNvSpPr txBox="1"/>
           <p:nvPr/>
@@ -4007,7 +4055,7 @@
         <p:spPr>
           <a:xfrm>
             <a:off x="33261185" y="31438737"/>
-            <a:ext cx="17833987" cy="5570756"/>
+            <a:ext cx="17833987" cy="2616101"/>
           </a:xfrm>
           <a:prstGeom prst="rect">
             <a:avLst/>
@@ -4032,7 +4080,7 @@
                 <a:latin typeface="Arial" panose="020B0604020202020204" pitchFamily="34" charset="0"/>
                 <a:cs typeface="Arial" panose="020B0604020202020204" pitchFamily="34" charset="0"/>
               </a:rPr>
-              <a:t>Net attenuator selected for testing and stopped a 5,259-lb bogie vehicle traveling at  roughly 60 mph in 43 ft or less</a:t>
+              <a:t>Net </a:t>
             </a:r>
           </a:p>
           <a:p>
@@ -4048,7 +4096,7 @@
                 <a:latin typeface="Arial" panose="020B0604020202020204" pitchFamily="34" charset="0"/>
                 <a:cs typeface="Arial" panose="020B0604020202020204" pitchFamily="34" charset="0"/>
               </a:rPr>
-              <a:t>Component testing suggested design would work under variety of impact conditions, speeds, and angles, and was versatile for installation</a:t>
+              <a:t>Component testing suggested d</a:t>
             </a:r>
           </a:p>
           <a:p>
@@ -4064,39 +4112,7 @@
                 <a:latin typeface="Arial" panose="020B0604020202020204" pitchFamily="34" charset="0"/>
                 <a:cs typeface="Arial" panose="020B0604020202020204" pitchFamily="34" charset="0"/>
               </a:rPr>
-              <a:t>Design must be paired with other crashworthy crash cushion (in development) – future work</a:t>
-            </a:r>
-          </a:p>
-        </p:txBody>
-      </p:sp>
-      <p:sp>
-        <p:nvSpPr>
-          <p:cNvPr id="28" name="TextBox 27"/>
-          <p:cNvSpPr txBox="1"/>
-          <p:nvPr/>
-        </p:nvSpPr>
-        <p:spPr>
-          <a:xfrm>
-            <a:off x="43518574" y="13026377"/>
-            <a:ext cx="4064959" cy="523220"/>
-          </a:xfrm>
-          <a:prstGeom prst="rect">
-            <a:avLst/>
-          </a:prstGeom>
-          <a:noFill/>
-        </p:spPr>
-        <p:txBody>
-          <a:bodyPr wrap="none" rtlCol="0">
-            <a:spAutoFit/>
-          </a:bodyPr>
-          <a:lstStyle/>
-          <a:p>
-            <a:r>
-              <a:rPr lang="en-US" sz="2800" dirty="0">
-                <a:latin typeface="Arial" panose="020B0604020202020204" pitchFamily="34" charset="0"/>
-                <a:cs typeface="Arial" panose="020B0604020202020204" pitchFamily="34" charset="0"/>
-              </a:rPr>
-              <a:t>Energy Absorber Failure</a:t>
+              <a:t>Design</a:t>
             </a:r>
           </a:p>
         </p:txBody>
@@ -4108,15 +4124,15 @@
           <p:nvPr/>
         </p:nvPicPr>
         <p:blipFill>
-          <a:blip r:embed="rId5"/>
+          <a:blip r:embed="rId6"/>
           <a:stretch>
             <a:fillRect/>
           </a:stretch>
         </p:blipFill>
         <p:spPr>
           <a:xfrm>
-            <a:off x="18699357" y="7992377"/>
-            <a:ext cx="10614244" cy="8247611"/>
+            <a:off x="24574517" y="18270574"/>
+            <a:ext cx="7602245" cy="5907890"/>
           </a:xfrm>
           <a:prstGeom prst="rect">
             <a:avLst/>
@@ -4136,176 +4152,19 @@
           <p:nvPr/>
         </p:nvPicPr>
         <p:blipFill>
-          <a:blip r:embed="rId6"/>
+          <a:blip r:embed="rId7"/>
           <a:stretch>
             <a:fillRect/>
           </a:stretch>
         </p:blipFill>
         <p:spPr>
           <a:xfrm>
-            <a:off x="20192045" y="21095788"/>
-            <a:ext cx="8879976" cy="11111341"/>
+            <a:off x="25093764" y="27464943"/>
+            <a:ext cx="7502921" cy="9833338"/>
           </a:xfrm>
           <a:prstGeom prst="rect">
             <a:avLst/>
           </a:prstGeom>
-        </p:spPr>
-      </p:pic>
-      <p:pic>
-        <p:nvPicPr>
-          <p:cNvPr id="44" name="Picture 43">
-            <a:extLst>
-              <a:ext uri="{FF2B5EF4-FFF2-40B4-BE49-F238E27FC236}">
-                <a16:creationId xmlns:a16="http://schemas.microsoft.com/office/drawing/2014/main" id="{8A31D47B-2F80-40B8-8997-85AEEDF50CFF}"/>
-              </a:ext>
-            </a:extLst>
-          </p:cNvPr>
-          <p:cNvPicPr/>
-          <p:nvPr/>
-        </p:nvPicPr>
-        <p:blipFill rotWithShape="1">
-          <a:blip r:embed="rId7">
-            <a:extLst>
-              <a:ext uri="{28A0092B-C50C-407E-A947-70E740481C1C}">
-                <a14:useLocalDpi xmlns:a14="http://schemas.microsoft.com/office/drawing/2010/main" val="0"/>
-              </a:ext>
-            </a:extLst>
-          </a:blip>
-          <a:srcRect r="9897"/>
-          <a:stretch/>
-        </p:blipFill>
-        <p:spPr bwMode="auto">
-          <a:xfrm>
-            <a:off x="34005184" y="7263053"/>
-            <a:ext cx="7311516" cy="5654589"/>
-          </a:xfrm>
-          <a:prstGeom prst="rect">
-            <a:avLst/>
-          </a:prstGeom>
-          <a:noFill/>
-          <a:ln>
-            <a:noFill/>
-          </a:ln>
-        </p:spPr>
-      </p:pic>
-      <p:pic>
-        <p:nvPicPr>
-          <p:cNvPr id="45" name="Picture 44">
-            <a:extLst>
-              <a:ext uri="{FF2B5EF4-FFF2-40B4-BE49-F238E27FC236}">
-                <a16:creationId xmlns:a16="http://schemas.microsoft.com/office/drawing/2014/main" id="{4CA2AD2D-D287-4D31-8A64-679EBB6ECCDA}"/>
-              </a:ext>
-            </a:extLst>
-          </p:cNvPr>
-          <p:cNvPicPr/>
-          <p:nvPr/>
-        </p:nvPicPr>
-        <p:blipFill rotWithShape="1">
-          <a:blip r:embed="rId8">
-            <a:extLst>
-              <a:ext uri="{28A0092B-C50C-407E-A947-70E740481C1C}">
-                <a14:useLocalDpi xmlns:a14="http://schemas.microsoft.com/office/drawing/2010/main" val="0"/>
-              </a:ext>
-            </a:extLst>
-          </a:blip>
-          <a:srcRect t="14228" b="10916"/>
-          <a:stretch/>
-        </p:blipFill>
-        <p:spPr bwMode="auto">
-          <a:xfrm>
-            <a:off x="42121527" y="7317710"/>
-            <a:ext cx="6770822" cy="5570905"/>
-          </a:xfrm>
-          <a:prstGeom prst="rect">
-            <a:avLst/>
-          </a:prstGeom>
-          <a:noFill/>
-          <a:ln>
-            <a:noFill/>
-          </a:ln>
-          <a:extLst>
-            <a:ext uri="{53640926-AAD7-44D8-BBD7-CCE9431645EC}">
-              <a14:shadowObscured xmlns:a14="http://schemas.microsoft.com/office/drawing/2010/main"/>
-            </a:ext>
-          </a:extLst>
-        </p:spPr>
-      </p:pic>
-      <p:pic>
-        <p:nvPicPr>
-          <p:cNvPr id="46" name="Picture 45">
-            <a:extLst>
-              <a:ext uri="{FF2B5EF4-FFF2-40B4-BE49-F238E27FC236}">
-                <a16:creationId xmlns:a16="http://schemas.microsoft.com/office/drawing/2014/main" id="{1276F1F7-1564-44DC-A6E4-D407AB1D3C80}"/>
-              </a:ext>
-            </a:extLst>
-          </p:cNvPr>
-          <p:cNvPicPr/>
-          <p:nvPr/>
-        </p:nvPicPr>
-        <p:blipFill>
-          <a:blip r:embed="rId9">
-            <a:extLst>
-              <a:ext uri="{28A0092B-C50C-407E-A947-70E740481C1C}">
-                <a14:useLocalDpi xmlns:a14="http://schemas.microsoft.com/office/drawing/2010/main" val="0"/>
-              </a:ext>
-            </a:extLst>
-          </a:blip>
-          <a:srcRect/>
-          <a:stretch>
-            <a:fillRect/>
-          </a:stretch>
-        </p:blipFill>
-        <p:spPr bwMode="auto">
-          <a:xfrm>
-            <a:off x="34475633" y="13845667"/>
-            <a:ext cx="7255056" cy="5222347"/>
-          </a:xfrm>
-          <a:prstGeom prst="rect">
-            <a:avLst/>
-          </a:prstGeom>
-          <a:noFill/>
-          <a:ln>
-            <a:noFill/>
-          </a:ln>
-        </p:spPr>
-      </p:pic>
-      <p:pic>
-        <p:nvPicPr>
-          <p:cNvPr id="47" name="Picture 46">
-            <a:extLst>
-              <a:ext uri="{FF2B5EF4-FFF2-40B4-BE49-F238E27FC236}">
-                <a16:creationId xmlns:a16="http://schemas.microsoft.com/office/drawing/2014/main" id="{852833D1-9AA4-4C90-BA6E-5FBF98976C54}"/>
-              </a:ext>
-            </a:extLst>
-          </p:cNvPr>
-          <p:cNvPicPr/>
-          <p:nvPr/>
-        </p:nvPicPr>
-        <p:blipFill>
-          <a:blip r:embed="rId10">
-            <a:extLst>
-              <a:ext uri="{28A0092B-C50C-407E-A947-70E740481C1C}">
-                <a14:useLocalDpi xmlns:a14="http://schemas.microsoft.com/office/drawing/2010/main" val="0"/>
-              </a:ext>
-            </a:extLst>
-          </a:blip>
-          <a:srcRect/>
-          <a:stretch>
-            <a:fillRect/>
-          </a:stretch>
-        </p:blipFill>
-        <p:spPr bwMode="auto">
-          <a:xfrm>
-            <a:off x="42146028" y="13576366"/>
-            <a:ext cx="6393051" cy="5311983"/>
-          </a:xfrm>
-          <a:prstGeom prst="rect">
-            <a:avLst/>
-          </a:prstGeom>
-          <a:noFill/>
-          <a:ln>
-            <a:noFill/>
-          </a:ln>
         </p:spPr>
       </p:pic>
       <p:pic>
@@ -4321,14 +4180,14 @@
           <p:nvPr/>
         </p:nvPicPr>
         <p:blipFill rotWithShape="1">
-          <a:blip r:embed="rId11"/>
+          <a:blip r:embed="rId8"/>
           <a:srcRect l="3012" r="4284"/>
           <a:stretch/>
         </p:blipFill>
         <p:spPr bwMode="auto">
           <a:xfrm>
-            <a:off x="891758" y="19151933"/>
-            <a:ext cx="12936704" cy="6259414"/>
+            <a:off x="2276630" y="18014643"/>
+            <a:ext cx="11805472" cy="4832662"/>
           </a:xfrm>
           <a:prstGeom prst="rect">
             <a:avLst/>
@@ -4343,6 +4202,1593 @@
           </a:extLst>
         </p:spPr>
       </p:pic>
+      <p:pic>
+        <p:nvPicPr>
+          <p:cNvPr id="35" name="Picture 34">
+            <a:extLst>
+              <a:ext uri="{FF2B5EF4-FFF2-40B4-BE49-F238E27FC236}">
+                <a16:creationId xmlns:a16="http://schemas.microsoft.com/office/drawing/2014/main" id="{9AFDFAD9-DD1B-4079-8B45-E11C20EF1088}"/>
+              </a:ext>
+            </a:extLst>
+          </p:cNvPr>
+          <p:cNvPicPr/>
+          <p:nvPr/>
+        </p:nvPicPr>
+        <p:blipFill rotWithShape="1">
+          <a:blip r:embed="rId9">
+            <a:extLst>
+              <a:ext uri="{28A0092B-C50C-407E-A947-70E740481C1C}">
+                <a14:useLocalDpi xmlns:a14="http://schemas.microsoft.com/office/drawing/2010/main" val="0"/>
+              </a:ext>
+            </a:extLst>
+          </a:blip>
+          <a:srcRect l="24923" t="9795" r="9726" b="18038"/>
+          <a:stretch/>
+        </p:blipFill>
+        <p:spPr bwMode="auto">
+          <a:xfrm>
+            <a:off x="34192180" y="10877243"/>
+            <a:ext cx="3302734" cy="3092955"/>
+          </a:xfrm>
+          <a:prstGeom prst="rect">
+            <a:avLst/>
+          </a:prstGeom>
+          <a:noFill/>
+          <a:ln>
+            <a:noFill/>
+          </a:ln>
+        </p:spPr>
+      </p:pic>
+      <p:pic>
+        <p:nvPicPr>
+          <p:cNvPr id="36" name="Picture 35">
+            <a:extLst>
+              <a:ext uri="{FF2B5EF4-FFF2-40B4-BE49-F238E27FC236}">
+                <a16:creationId xmlns:a16="http://schemas.microsoft.com/office/drawing/2014/main" id="{5F893B8B-C829-4C60-9E8B-5E33B2BA956F}"/>
+              </a:ext>
+            </a:extLst>
+          </p:cNvPr>
+          <p:cNvPicPr/>
+          <p:nvPr/>
+        </p:nvPicPr>
+        <p:blipFill rotWithShape="1">
+          <a:blip r:embed="rId10">
+            <a:extLst>
+              <a:ext uri="{28A0092B-C50C-407E-A947-70E740481C1C}">
+                <a14:useLocalDpi xmlns:a14="http://schemas.microsoft.com/office/drawing/2010/main" val="0"/>
+              </a:ext>
+            </a:extLst>
+          </a:blip>
+          <a:srcRect l="22706" t="22127" r="423" b="24369"/>
+          <a:stretch/>
+        </p:blipFill>
+        <p:spPr bwMode="auto">
+          <a:xfrm>
+            <a:off x="38311182" y="10884759"/>
+            <a:ext cx="3475783" cy="3085439"/>
+          </a:xfrm>
+          <a:prstGeom prst="rect">
+            <a:avLst/>
+          </a:prstGeom>
+          <a:noFill/>
+          <a:ln>
+            <a:noFill/>
+          </a:ln>
+          <a:extLst>
+            <a:ext uri="{53640926-AAD7-44D8-BBD7-CCE9431645EC}">
+              <a14:shadowObscured xmlns:a14="http://schemas.microsoft.com/office/drawing/2010/main"/>
+            </a:ext>
+          </a:extLst>
+        </p:spPr>
+      </p:pic>
+      <p:pic>
+        <p:nvPicPr>
+          <p:cNvPr id="38" name="Picture 37">
+            <a:extLst>
+              <a:ext uri="{FF2B5EF4-FFF2-40B4-BE49-F238E27FC236}">
+                <a16:creationId xmlns:a16="http://schemas.microsoft.com/office/drawing/2014/main" id="{DA0B7E0C-D159-4320-9B90-D935B666F339}"/>
+              </a:ext>
+            </a:extLst>
+          </p:cNvPr>
+          <p:cNvPicPr/>
+          <p:nvPr/>
+        </p:nvPicPr>
+        <p:blipFill>
+          <a:blip r:embed="rId11">
+            <a:extLst>
+              <a:ext uri="{28A0092B-C50C-407E-A947-70E740481C1C}">
+                <a14:useLocalDpi xmlns:a14="http://schemas.microsoft.com/office/drawing/2010/main" val="0"/>
+              </a:ext>
+            </a:extLst>
+          </a:blip>
+          <a:srcRect/>
+          <a:stretch>
+            <a:fillRect/>
+          </a:stretch>
+        </p:blipFill>
+        <p:spPr bwMode="auto">
+          <a:xfrm>
+            <a:off x="41901138" y="10828225"/>
+            <a:ext cx="4876815" cy="3359457"/>
+          </a:xfrm>
+          <a:prstGeom prst="rect">
+            <a:avLst/>
+          </a:prstGeom>
+          <a:noFill/>
+          <a:ln>
+            <a:noFill/>
+          </a:ln>
+        </p:spPr>
+      </p:pic>
+      <p:pic>
+        <p:nvPicPr>
+          <p:cNvPr id="39" name="Picture 38">
+            <a:extLst>
+              <a:ext uri="{FF2B5EF4-FFF2-40B4-BE49-F238E27FC236}">
+                <a16:creationId xmlns:a16="http://schemas.microsoft.com/office/drawing/2014/main" id="{D445C10F-3175-461B-9DBB-6CB5B3BE1C4D}"/>
+              </a:ext>
+            </a:extLst>
+          </p:cNvPr>
+          <p:cNvPicPr/>
+          <p:nvPr/>
+        </p:nvPicPr>
+        <p:blipFill>
+          <a:blip r:embed="rId12">
+            <a:extLst>
+              <a:ext uri="{28A0092B-C50C-407E-A947-70E740481C1C}">
+                <a14:useLocalDpi xmlns:a14="http://schemas.microsoft.com/office/drawing/2010/main" val="0"/>
+              </a:ext>
+            </a:extLst>
+          </a:blip>
+          <a:srcRect/>
+          <a:stretch>
+            <a:fillRect/>
+          </a:stretch>
+        </p:blipFill>
+        <p:spPr bwMode="auto">
+          <a:xfrm>
+            <a:off x="46630905" y="10926698"/>
+            <a:ext cx="3816348" cy="3158700"/>
+          </a:xfrm>
+          <a:prstGeom prst="rect">
+            <a:avLst/>
+          </a:prstGeom>
+          <a:noFill/>
+          <a:ln>
+            <a:noFill/>
+          </a:ln>
+        </p:spPr>
+      </p:pic>
+      <p:pic>
+        <p:nvPicPr>
+          <p:cNvPr id="41" name="Picture 40">
+            <a:extLst>
+              <a:ext uri="{FF2B5EF4-FFF2-40B4-BE49-F238E27FC236}">
+                <a16:creationId xmlns:a16="http://schemas.microsoft.com/office/drawing/2014/main" id="{99CD6AF0-3916-4F29-9767-F7D4C023A781}"/>
+              </a:ext>
+            </a:extLst>
+          </p:cNvPr>
+          <p:cNvPicPr/>
+          <p:nvPr/>
+        </p:nvPicPr>
+        <p:blipFill>
+          <a:blip r:embed="rId13">
+            <a:extLst>
+              <a:ext uri="{28A0092B-C50C-407E-A947-70E740481C1C}">
+                <a14:useLocalDpi xmlns:a14="http://schemas.microsoft.com/office/drawing/2010/main" val="0"/>
+              </a:ext>
+            </a:extLst>
+          </a:blip>
+          <a:srcRect/>
+          <a:stretch>
+            <a:fillRect/>
+          </a:stretch>
+        </p:blipFill>
+        <p:spPr bwMode="auto">
+          <a:xfrm>
+            <a:off x="41752612" y="6203889"/>
+            <a:ext cx="4569768" cy="3417243"/>
+          </a:xfrm>
+          <a:prstGeom prst="rect">
+            <a:avLst/>
+          </a:prstGeom>
+          <a:noFill/>
+          <a:ln>
+            <a:noFill/>
+          </a:ln>
+        </p:spPr>
+      </p:pic>
+      <p:pic>
+        <p:nvPicPr>
+          <p:cNvPr id="42" name="Picture 41">
+            <a:extLst>
+              <a:ext uri="{FF2B5EF4-FFF2-40B4-BE49-F238E27FC236}">
+                <a16:creationId xmlns:a16="http://schemas.microsoft.com/office/drawing/2014/main" id="{AD05379A-DFF3-4117-A08B-144455DA0003}"/>
+              </a:ext>
+            </a:extLst>
+          </p:cNvPr>
+          <p:cNvPicPr/>
+          <p:nvPr/>
+        </p:nvPicPr>
+        <p:blipFill rotWithShape="1">
+          <a:blip r:embed="rId14" cstate="print">
+            <a:extLst>
+              <a:ext uri="{28A0092B-C50C-407E-A947-70E740481C1C}">
+                <a14:useLocalDpi xmlns:a14="http://schemas.microsoft.com/office/drawing/2010/main" val="0"/>
+              </a:ext>
+            </a:extLst>
+          </a:blip>
+          <a:srcRect l="16755" t="22759" r="4683" b="25522"/>
+          <a:stretch/>
+        </p:blipFill>
+        <p:spPr bwMode="auto">
+          <a:xfrm>
+            <a:off x="34073915" y="6346207"/>
+            <a:ext cx="3213242" cy="3092956"/>
+          </a:xfrm>
+          <a:prstGeom prst="rect">
+            <a:avLst/>
+          </a:prstGeom>
+          <a:noFill/>
+          <a:ln>
+            <a:noFill/>
+          </a:ln>
+          <a:extLst>
+            <a:ext uri="{53640926-AAD7-44D8-BBD7-CCE9431645EC}">
+              <a14:shadowObscured xmlns:a14="http://schemas.microsoft.com/office/drawing/2010/main"/>
+            </a:ext>
+          </a:extLst>
+        </p:spPr>
+      </p:pic>
+      <p:pic>
+        <p:nvPicPr>
+          <p:cNvPr id="43" name="Picture 42">
+            <a:extLst>
+              <a:ext uri="{FF2B5EF4-FFF2-40B4-BE49-F238E27FC236}">
+                <a16:creationId xmlns:a16="http://schemas.microsoft.com/office/drawing/2014/main" id="{24C9BC0D-06EC-4191-B1FD-03168AFEAE93}"/>
+              </a:ext>
+            </a:extLst>
+          </p:cNvPr>
+          <p:cNvPicPr/>
+          <p:nvPr/>
+        </p:nvPicPr>
+        <p:blipFill>
+          <a:blip r:embed="rId15">
+            <a:extLst>
+              <a:ext uri="{28A0092B-C50C-407E-A947-70E740481C1C}">
+                <a14:useLocalDpi xmlns:a14="http://schemas.microsoft.com/office/drawing/2010/main" val="0"/>
+              </a:ext>
+            </a:extLst>
+          </a:blip>
+          <a:srcRect/>
+          <a:stretch>
+            <a:fillRect/>
+          </a:stretch>
+        </p:blipFill>
+        <p:spPr bwMode="auto">
+          <a:xfrm>
+            <a:off x="46413156" y="6132112"/>
+            <a:ext cx="4149826" cy="3465374"/>
+          </a:xfrm>
+          <a:prstGeom prst="rect">
+            <a:avLst/>
+          </a:prstGeom>
+          <a:noFill/>
+          <a:ln>
+            <a:noFill/>
+          </a:ln>
+        </p:spPr>
+      </p:pic>
+      <p:pic>
+        <p:nvPicPr>
+          <p:cNvPr id="20" name="Picture 19">
+            <a:extLst>
+              <a:ext uri="{FF2B5EF4-FFF2-40B4-BE49-F238E27FC236}">
+                <a16:creationId xmlns:a16="http://schemas.microsoft.com/office/drawing/2014/main" id="{63ACE37A-6225-4A62-8587-FA2A815821C6}"/>
+              </a:ext>
+            </a:extLst>
+          </p:cNvPr>
+          <p:cNvPicPr>
+            <a:picLocks noChangeAspect="1"/>
+          </p:cNvPicPr>
+          <p:nvPr/>
+        </p:nvPicPr>
+        <p:blipFill>
+          <a:blip r:embed="rId16"/>
+          <a:stretch>
+            <a:fillRect/>
+          </a:stretch>
+        </p:blipFill>
+        <p:spPr>
+          <a:xfrm>
+            <a:off x="42540739" y="15322634"/>
+            <a:ext cx="6251394" cy="3362266"/>
+          </a:xfrm>
+          <a:prstGeom prst="rect">
+            <a:avLst/>
+          </a:prstGeom>
+        </p:spPr>
+      </p:pic>
+      <p:pic>
+        <p:nvPicPr>
+          <p:cNvPr id="24" name="Picture 23">
+            <a:extLst>
+              <a:ext uri="{FF2B5EF4-FFF2-40B4-BE49-F238E27FC236}">
+                <a16:creationId xmlns:a16="http://schemas.microsoft.com/office/drawing/2014/main" id="{FE91C908-A01E-4445-93D1-D1A348B82B91}"/>
+              </a:ext>
+            </a:extLst>
+          </p:cNvPr>
+          <p:cNvPicPr>
+            <a:picLocks noChangeAspect="1"/>
+          </p:cNvPicPr>
+          <p:nvPr/>
+        </p:nvPicPr>
+        <p:blipFill rotWithShape="1">
+          <a:blip r:embed="rId17"/>
+          <a:srcRect l="13418" b="14035"/>
+          <a:stretch/>
+        </p:blipFill>
+        <p:spPr>
+          <a:xfrm>
+            <a:off x="38197294" y="15318778"/>
+            <a:ext cx="3285547" cy="2779850"/>
+          </a:xfrm>
+          <a:prstGeom prst="rect">
+            <a:avLst/>
+          </a:prstGeom>
+        </p:spPr>
+      </p:pic>
+      <p:pic>
+        <p:nvPicPr>
+          <p:cNvPr id="25" name="Picture 24">
+            <a:extLst>
+              <a:ext uri="{FF2B5EF4-FFF2-40B4-BE49-F238E27FC236}">
+                <a16:creationId xmlns:a16="http://schemas.microsoft.com/office/drawing/2014/main" id="{8E765C2E-E59D-4FE9-ADD3-06F0D6511F45}"/>
+              </a:ext>
+            </a:extLst>
+          </p:cNvPr>
+          <p:cNvPicPr>
+            <a:picLocks noChangeAspect="1"/>
+          </p:cNvPicPr>
+          <p:nvPr/>
+        </p:nvPicPr>
+        <p:blipFill rotWithShape="1">
+          <a:blip r:embed="rId18"/>
+          <a:srcRect l="16297" r="8933" b="15579"/>
+          <a:stretch/>
+        </p:blipFill>
+        <p:spPr>
+          <a:xfrm>
+            <a:off x="34034901" y="15277230"/>
+            <a:ext cx="3379376" cy="2884747"/>
+          </a:xfrm>
+          <a:prstGeom prst="rect">
+            <a:avLst/>
+          </a:prstGeom>
+        </p:spPr>
+      </p:pic>
+      <p:pic>
+        <p:nvPicPr>
+          <p:cNvPr id="27" name="Picture 26">
+            <a:extLst>
+              <a:ext uri="{FF2B5EF4-FFF2-40B4-BE49-F238E27FC236}">
+                <a16:creationId xmlns:a16="http://schemas.microsoft.com/office/drawing/2014/main" id="{B9860DF7-95E3-4247-9174-BBEA524CA1F0}"/>
+              </a:ext>
+            </a:extLst>
+          </p:cNvPr>
+          <p:cNvPicPr>
+            <a:picLocks noChangeAspect="1"/>
+          </p:cNvPicPr>
+          <p:nvPr/>
+        </p:nvPicPr>
+        <p:blipFill rotWithShape="1">
+          <a:blip r:embed="rId19"/>
+          <a:srcRect l="15634" t="2646" r="3973" b="14854"/>
+          <a:stretch/>
+        </p:blipFill>
+        <p:spPr>
+          <a:xfrm>
+            <a:off x="38120684" y="6362257"/>
+            <a:ext cx="3140936" cy="3112747"/>
+          </a:xfrm>
+          <a:prstGeom prst="rect">
+            <a:avLst/>
+          </a:prstGeom>
+        </p:spPr>
+      </p:pic>
+      <p:sp>
+        <p:nvSpPr>
+          <p:cNvPr id="29" name="TextBox 28">
+            <a:extLst>
+              <a:ext uri="{FF2B5EF4-FFF2-40B4-BE49-F238E27FC236}">
+                <a16:creationId xmlns:a16="http://schemas.microsoft.com/office/drawing/2014/main" id="{056FB71A-D2FC-49CC-A35B-59B34F05FC1F}"/>
+              </a:ext>
+            </a:extLst>
+          </p:cNvPr>
+          <p:cNvSpPr txBox="1"/>
+          <p:nvPr/>
+        </p:nvSpPr>
+        <p:spPr>
+          <a:xfrm>
+            <a:off x="38116111" y="18202749"/>
+            <a:ext cx="3475782" cy="369332"/>
+          </a:xfrm>
+          <a:prstGeom prst="rect">
+            <a:avLst/>
+          </a:prstGeom>
+          <a:noFill/>
+        </p:spPr>
+        <p:txBody>
+          <a:bodyPr wrap="square" rtlCol="0">
+            <a:spAutoFit/>
+          </a:bodyPr>
+          <a:lstStyle/>
+          <a:p>
+            <a:r>
+              <a:rPr lang="en-US" dirty="0"/>
+              <a:t>-800 -400 -200     0    200     400 </a:t>
+            </a:r>
+          </a:p>
+        </p:txBody>
+      </p:sp>
+      <p:sp>
+        <p:nvSpPr>
+          <p:cNvPr id="51" name="TextBox 50">
+            <a:extLst>
+              <a:ext uri="{FF2B5EF4-FFF2-40B4-BE49-F238E27FC236}">
+                <a16:creationId xmlns:a16="http://schemas.microsoft.com/office/drawing/2014/main" id="{307AF3E8-AF83-49A3-9A2C-13F2A5078123}"/>
+              </a:ext>
+            </a:extLst>
+          </p:cNvPr>
+          <p:cNvSpPr txBox="1"/>
+          <p:nvPr/>
+        </p:nvSpPr>
+        <p:spPr>
+          <a:xfrm>
+            <a:off x="34157896" y="18241636"/>
+            <a:ext cx="3475782" cy="369332"/>
+          </a:xfrm>
+          <a:prstGeom prst="rect">
+            <a:avLst/>
+          </a:prstGeom>
+          <a:noFill/>
+        </p:spPr>
+        <p:txBody>
+          <a:bodyPr wrap="square" rtlCol="0">
+            <a:spAutoFit/>
+          </a:bodyPr>
+          <a:lstStyle/>
+          <a:p>
+            <a:r>
+              <a:rPr lang="en-US" dirty="0"/>
+              <a:t>-800 -400 -200     0    200     400 </a:t>
+            </a:r>
+          </a:p>
+        </p:txBody>
+      </p:sp>
+      <p:sp>
+        <p:nvSpPr>
+          <p:cNvPr id="52" name="TextBox 51">
+            <a:extLst>
+              <a:ext uri="{FF2B5EF4-FFF2-40B4-BE49-F238E27FC236}">
+                <a16:creationId xmlns:a16="http://schemas.microsoft.com/office/drawing/2014/main" id="{ABF2D275-D2E3-4706-B073-BBB4A00127BD}"/>
+              </a:ext>
+            </a:extLst>
+          </p:cNvPr>
+          <p:cNvSpPr txBox="1"/>
+          <p:nvPr/>
+        </p:nvSpPr>
+        <p:spPr>
+          <a:xfrm>
+            <a:off x="34270226" y="14092759"/>
+            <a:ext cx="4118606" cy="379558"/>
+          </a:xfrm>
+          <a:prstGeom prst="rect">
+            <a:avLst/>
+          </a:prstGeom>
+          <a:noFill/>
+        </p:spPr>
+        <p:txBody>
+          <a:bodyPr wrap="square" rtlCol="0">
+            <a:spAutoFit/>
+          </a:bodyPr>
+          <a:lstStyle/>
+          <a:p>
+            <a:r>
+              <a:rPr lang="en-US" dirty="0"/>
+              <a:t>7.265   7.27   7.275 7.28    7.285  x10</a:t>
+            </a:r>
+            <a:r>
+              <a:rPr lang="en-US" baseline="30000" dirty="0"/>
+              <a:t>5</a:t>
+            </a:r>
+            <a:r>
+              <a:rPr lang="en-US" dirty="0"/>
+              <a:t>  </a:t>
+            </a:r>
+          </a:p>
+        </p:txBody>
+      </p:sp>
+      <p:sp>
+        <p:nvSpPr>
+          <p:cNvPr id="53" name="TextBox 52">
+            <a:extLst>
+              <a:ext uri="{FF2B5EF4-FFF2-40B4-BE49-F238E27FC236}">
+                <a16:creationId xmlns:a16="http://schemas.microsoft.com/office/drawing/2014/main" id="{3B838B39-8043-42F4-B01B-DC0E8BB852B5}"/>
+              </a:ext>
+            </a:extLst>
+          </p:cNvPr>
+          <p:cNvSpPr txBox="1"/>
+          <p:nvPr/>
+        </p:nvSpPr>
+        <p:spPr>
+          <a:xfrm>
+            <a:off x="38018415" y="14055301"/>
+            <a:ext cx="4118606" cy="379558"/>
+          </a:xfrm>
+          <a:prstGeom prst="rect">
+            <a:avLst/>
+          </a:prstGeom>
+          <a:noFill/>
+        </p:spPr>
+        <p:txBody>
+          <a:bodyPr wrap="square" rtlCol="0">
+            <a:spAutoFit/>
+          </a:bodyPr>
+          <a:lstStyle/>
+          <a:p>
+            <a:r>
+              <a:rPr lang="en-US" dirty="0"/>
+              <a:t>7.265   7.27   7.275 7.28    7.285  x10</a:t>
+            </a:r>
+            <a:r>
+              <a:rPr lang="en-US" baseline="30000" dirty="0"/>
+              <a:t>5</a:t>
+            </a:r>
+            <a:r>
+              <a:rPr lang="en-US" dirty="0"/>
+              <a:t>  </a:t>
+            </a:r>
+          </a:p>
+        </p:txBody>
+      </p:sp>
+      <p:sp>
+        <p:nvSpPr>
+          <p:cNvPr id="54" name="TextBox 53">
+            <a:extLst>
+              <a:ext uri="{FF2B5EF4-FFF2-40B4-BE49-F238E27FC236}">
+                <a16:creationId xmlns:a16="http://schemas.microsoft.com/office/drawing/2014/main" id="{483E24C7-C9F0-4214-96BE-E2E8C40DD0A7}"/>
+              </a:ext>
+            </a:extLst>
+          </p:cNvPr>
+          <p:cNvSpPr txBox="1"/>
+          <p:nvPr/>
+        </p:nvSpPr>
+        <p:spPr>
+          <a:xfrm>
+            <a:off x="34098018" y="9429142"/>
+            <a:ext cx="3189139" cy="369332"/>
+          </a:xfrm>
+          <a:prstGeom prst="rect">
+            <a:avLst/>
+          </a:prstGeom>
+          <a:noFill/>
+        </p:spPr>
+        <p:txBody>
+          <a:bodyPr wrap="square" rtlCol="0">
+            <a:spAutoFit/>
+          </a:bodyPr>
+          <a:lstStyle/>
+          <a:p>
+            <a:r>
+              <a:rPr lang="en-US" dirty="0"/>
+              <a:t> 0       100       200     300      400 </a:t>
+            </a:r>
+          </a:p>
+        </p:txBody>
+      </p:sp>
+      <p:sp>
+        <p:nvSpPr>
+          <p:cNvPr id="55" name="TextBox 54">
+            <a:extLst>
+              <a:ext uri="{FF2B5EF4-FFF2-40B4-BE49-F238E27FC236}">
+                <a16:creationId xmlns:a16="http://schemas.microsoft.com/office/drawing/2014/main" id="{D1629F86-A887-40F7-9029-D8F27CACBD19}"/>
+              </a:ext>
+            </a:extLst>
+          </p:cNvPr>
+          <p:cNvSpPr txBox="1"/>
+          <p:nvPr/>
+        </p:nvSpPr>
+        <p:spPr>
+          <a:xfrm>
+            <a:off x="38096582" y="9429142"/>
+            <a:ext cx="3189139" cy="369332"/>
+          </a:xfrm>
+          <a:prstGeom prst="rect">
+            <a:avLst/>
+          </a:prstGeom>
+          <a:noFill/>
+        </p:spPr>
+        <p:txBody>
+          <a:bodyPr wrap="square" rtlCol="0">
+            <a:spAutoFit/>
+          </a:bodyPr>
+          <a:lstStyle/>
+          <a:p>
+            <a:r>
+              <a:rPr lang="en-US" dirty="0"/>
+              <a:t> 0       100       200     300      400 </a:t>
+            </a:r>
+          </a:p>
+        </p:txBody>
+      </p:sp>
+      <p:sp>
+        <p:nvSpPr>
+          <p:cNvPr id="31" name="TextBox 30">
+            <a:extLst>
+              <a:ext uri="{FF2B5EF4-FFF2-40B4-BE49-F238E27FC236}">
+                <a16:creationId xmlns:a16="http://schemas.microsoft.com/office/drawing/2014/main" id="{8BE37C60-7351-45D3-8D70-9C014557B066}"/>
+              </a:ext>
+            </a:extLst>
+          </p:cNvPr>
+          <p:cNvSpPr txBox="1"/>
+          <p:nvPr/>
+        </p:nvSpPr>
+        <p:spPr>
+          <a:xfrm>
+            <a:off x="33404723" y="6362257"/>
+            <a:ext cx="602674" cy="3139321"/>
+          </a:xfrm>
+          <a:prstGeom prst="rect">
+            <a:avLst/>
+          </a:prstGeom>
+          <a:noFill/>
+        </p:spPr>
+        <p:txBody>
+          <a:bodyPr vert="horz" wrap="square" rtlCol="0">
+            <a:spAutoFit/>
+          </a:bodyPr>
+          <a:lstStyle/>
+          <a:p>
+            <a:pPr algn="r"/>
+            <a:r>
+              <a:rPr lang="en-US" dirty="0"/>
+              <a:t>300</a:t>
+            </a:r>
+          </a:p>
+          <a:p>
+            <a:pPr algn="r"/>
+            <a:endParaRPr lang="en-US" dirty="0"/>
+          </a:p>
+          <a:p>
+            <a:pPr algn="r"/>
+            <a:r>
+              <a:rPr lang="en-US" dirty="0"/>
+              <a:t>250</a:t>
+            </a:r>
+          </a:p>
+          <a:p>
+            <a:pPr algn="r"/>
+            <a:endParaRPr lang="en-US" dirty="0"/>
+          </a:p>
+          <a:p>
+            <a:pPr algn="r"/>
+            <a:r>
+              <a:rPr lang="en-US" dirty="0"/>
+              <a:t>200</a:t>
+            </a:r>
+          </a:p>
+          <a:p>
+            <a:pPr algn="r"/>
+            <a:endParaRPr lang="en-US" dirty="0"/>
+          </a:p>
+          <a:p>
+            <a:pPr algn="r"/>
+            <a:r>
+              <a:rPr lang="en-US" dirty="0"/>
+              <a:t>150</a:t>
+            </a:r>
+          </a:p>
+          <a:p>
+            <a:pPr algn="r"/>
+            <a:endParaRPr lang="en-US" dirty="0"/>
+          </a:p>
+          <a:p>
+            <a:pPr algn="r"/>
+            <a:r>
+              <a:rPr lang="en-US" dirty="0"/>
+              <a:t>100</a:t>
+            </a:r>
+          </a:p>
+          <a:p>
+            <a:pPr algn="r"/>
+            <a:endParaRPr lang="en-US" dirty="0"/>
+          </a:p>
+          <a:p>
+            <a:pPr algn="r"/>
+            <a:r>
+              <a:rPr lang="en-US" dirty="0"/>
+              <a:t>50</a:t>
+            </a:r>
+          </a:p>
+        </p:txBody>
+      </p:sp>
+      <p:sp>
+        <p:nvSpPr>
+          <p:cNvPr id="57" name="TextBox 56">
+            <a:extLst>
+              <a:ext uri="{FF2B5EF4-FFF2-40B4-BE49-F238E27FC236}">
+                <a16:creationId xmlns:a16="http://schemas.microsoft.com/office/drawing/2014/main" id="{3AC1A0A9-054D-4AEB-835A-F6613F5D512F}"/>
+              </a:ext>
+            </a:extLst>
+          </p:cNvPr>
+          <p:cNvSpPr txBox="1"/>
+          <p:nvPr/>
+        </p:nvSpPr>
+        <p:spPr>
+          <a:xfrm>
+            <a:off x="37493908" y="6382458"/>
+            <a:ext cx="602674" cy="3139321"/>
+          </a:xfrm>
+          <a:prstGeom prst="rect">
+            <a:avLst/>
+          </a:prstGeom>
+          <a:noFill/>
+        </p:spPr>
+        <p:txBody>
+          <a:bodyPr vert="horz" wrap="square" rtlCol="0">
+            <a:spAutoFit/>
+          </a:bodyPr>
+          <a:lstStyle/>
+          <a:p>
+            <a:pPr algn="r"/>
+            <a:r>
+              <a:rPr lang="en-US" dirty="0"/>
+              <a:t>300</a:t>
+            </a:r>
+          </a:p>
+          <a:p>
+            <a:pPr algn="r"/>
+            <a:endParaRPr lang="en-US" dirty="0"/>
+          </a:p>
+          <a:p>
+            <a:pPr algn="r"/>
+            <a:r>
+              <a:rPr lang="en-US" dirty="0"/>
+              <a:t>250</a:t>
+            </a:r>
+          </a:p>
+          <a:p>
+            <a:pPr algn="r"/>
+            <a:endParaRPr lang="en-US" dirty="0"/>
+          </a:p>
+          <a:p>
+            <a:pPr algn="r"/>
+            <a:r>
+              <a:rPr lang="en-US" dirty="0"/>
+              <a:t>200</a:t>
+            </a:r>
+          </a:p>
+          <a:p>
+            <a:pPr algn="r"/>
+            <a:endParaRPr lang="en-US" dirty="0"/>
+          </a:p>
+          <a:p>
+            <a:pPr algn="r"/>
+            <a:r>
+              <a:rPr lang="en-US" dirty="0"/>
+              <a:t>150</a:t>
+            </a:r>
+          </a:p>
+          <a:p>
+            <a:pPr algn="r"/>
+            <a:endParaRPr lang="en-US" dirty="0"/>
+          </a:p>
+          <a:p>
+            <a:pPr algn="r"/>
+            <a:r>
+              <a:rPr lang="en-US" dirty="0"/>
+              <a:t>100</a:t>
+            </a:r>
+          </a:p>
+          <a:p>
+            <a:pPr algn="r"/>
+            <a:endParaRPr lang="en-US" dirty="0"/>
+          </a:p>
+          <a:p>
+            <a:pPr algn="r"/>
+            <a:r>
+              <a:rPr lang="en-US" dirty="0"/>
+              <a:t>50</a:t>
+            </a:r>
+          </a:p>
+        </p:txBody>
+      </p:sp>
+      <p:sp>
+        <p:nvSpPr>
+          <p:cNvPr id="59" name="TextBox 58">
+            <a:extLst>
+              <a:ext uri="{FF2B5EF4-FFF2-40B4-BE49-F238E27FC236}">
+                <a16:creationId xmlns:a16="http://schemas.microsoft.com/office/drawing/2014/main" id="{2F0B0EFA-EC08-405D-B8F6-529B237D3AEC}"/>
+              </a:ext>
+            </a:extLst>
+          </p:cNvPr>
+          <p:cNvSpPr txBox="1"/>
+          <p:nvPr/>
+        </p:nvSpPr>
+        <p:spPr>
+          <a:xfrm>
+            <a:off x="33337708" y="10738492"/>
+            <a:ext cx="1066711" cy="3139321"/>
+          </a:xfrm>
+          <a:prstGeom prst="rect">
+            <a:avLst/>
+          </a:prstGeom>
+          <a:noFill/>
+        </p:spPr>
+        <p:txBody>
+          <a:bodyPr vert="horz" wrap="square" rtlCol="0">
+            <a:spAutoFit/>
+          </a:bodyPr>
+          <a:lstStyle/>
+          <a:p>
+            <a:r>
+              <a:rPr lang="en-US" dirty="0"/>
+              <a:t>x10</a:t>
+            </a:r>
+            <a:r>
+              <a:rPr lang="en-US" baseline="30000" dirty="0"/>
+              <a:t>6</a:t>
+            </a:r>
+            <a:endParaRPr lang="en-US" dirty="0"/>
+          </a:p>
+          <a:p>
+            <a:endParaRPr lang="en-US" dirty="0"/>
+          </a:p>
+          <a:p>
+            <a:r>
+              <a:rPr lang="en-US" dirty="0"/>
+              <a:t>4.5465</a:t>
+            </a:r>
+          </a:p>
+          <a:p>
+            <a:endParaRPr lang="en-US" dirty="0"/>
+          </a:p>
+          <a:p>
+            <a:endParaRPr lang="en-US" dirty="0"/>
+          </a:p>
+          <a:p>
+            <a:r>
+              <a:rPr lang="en-US" dirty="0"/>
+              <a:t>4.5460</a:t>
+            </a:r>
+          </a:p>
+          <a:p>
+            <a:endParaRPr lang="en-US" dirty="0"/>
+          </a:p>
+          <a:p>
+            <a:endParaRPr lang="en-US" dirty="0"/>
+          </a:p>
+          <a:p>
+            <a:r>
+              <a:rPr lang="en-US" dirty="0"/>
+              <a:t>4.5455</a:t>
+            </a:r>
+          </a:p>
+          <a:p>
+            <a:endParaRPr lang="en-US" dirty="0"/>
+          </a:p>
+          <a:p>
+            <a:r>
+              <a:rPr lang="en-US" dirty="0"/>
+              <a:t>4.5450</a:t>
+            </a:r>
+          </a:p>
+        </p:txBody>
+      </p:sp>
+      <p:sp>
+        <p:nvSpPr>
+          <p:cNvPr id="60" name="TextBox 59">
+            <a:extLst>
+              <a:ext uri="{FF2B5EF4-FFF2-40B4-BE49-F238E27FC236}">
+                <a16:creationId xmlns:a16="http://schemas.microsoft.com/office/drawing/2014/main" id="{4144C12C-91A6-42DD-8ADF-525D7F64E22A}"/>
+              </a:ext>
+            </a:extLst>
+          </p:cNvPr>
+          <p:cNvSpPr txBox="1"/>
+          <p:nvPr/>
+        </p:nvSpPr>
+        <p:spPr>
+          <a:xfrm>
+            <a:off x="37474165" y="10828225"/>
+            <a:ext cx="1066711" cy="3139321"/>
+          </a:xfrm>
+          <a:prstGeom prst="rect">
+            <a:avLst/>
+          </a:prstGeom>
+          <a:noFill/>
+        </p:spPr>
+        <p:txBody>
+          <a:bodyPr vert="horz" wrap="square" rtlCol="0">
+            <a:spAutoFit/>
+          </a:bodyPr>
+          <a:lstStyle/>
+          <a:p>
+            <a:r>
+              <a:rPr lang="en-US" dirty="0"/>
+              <a:t>x10</a:t>
+            </a:r>
+            <a:r>
+              <a:rPr lang="en-US" baseline="30000" dirty="0"/>
+              <a:t>6</a:t>
+            </a:r>
+            <a:endParaRPr lang="en-US" dirty="0"/>
+          </a:p>
+          <a:p>
+            <a:endParaRPr lang="en-US" dirty="0"/>
+          </a:p>
+          <a:p>
+            <a:r>
+              <a:rPr lang="en-US" dirty="0"/>
+              <a:t>4.5465</a:t>
+            </a:r>
+          </a:p>
+          <a:p>
+            <a:endParaRPr lang="en-US" dirty="0"/>
+          </a:p>
+          <a:p>
+            <a:endParaRPr lang="en-US" dirty="0"/>
+          </a:p>
+          <a:p>
+            <a:r>
+              <a:rPr lang="en-US" dirty="0"/>
+              <a:t>4.5460</a:t>
+            </a:r>
+          </a:p>
+          <a:p>
+            <a:endParaRPr lang="en-US" dirty="0"/>
+          </a:p>
+          <a:p>
+            <a:endParaRPr lang="en-US" dirty="0"/>
+          </a:p>
+          <a:p>
+            <a:r>
+              <a:rPr lang="en-US" dirty="0"/>
+              <a:t>4.5455</a:t>
+            </a:r>
+          </a:p>
+          <a:p>
+            <a:endParaRPr lang="en-US" dirty="0"/>
+          </a:p>
+          <a:p>
+            <a:r>
+              <a:rPr lang="en-US" dirty="0"/>
+              <a:t>4.5450</a:t>
+            </a:r>
+          </a:p>
+        </p:txBody>
+      </p:sp>
+      <p:sp>
+        <p:nvSpPr>
+          <p:cNvPr id="61" name="TextBox 60">
+            <a:extLst>
+              <a:ext uri="{FF2B5EF4-FFF2-40B4-BE49-F238E27FC236}">
+                <a16:creationId xmlns:a16="http://schemas.microsoft.com/office/drawing/2014/main" id="{54795FAE-7D15-4B80-83F5-2383904F6797}"/>
+              </a:ext>
+            </a:extLst>
+          </p:cNvPr>
+          <p:cNvSpPr txBox="1"/>
+          <p:nvPr/>
+        </p:nvSpPr>
+        <p:spPr>
+          <a:xfrm>
+            <a:off x="33359536" y="15588442"/>
+            <a:ext cx="682032" cy="2862322"/>
+          </a:xfrm>
+          <a:prstGeom prst="rect">
+            <a:avLst/>
+          </a:prstGeom>
+          <a:noFill/>
+        </p:spPr>
+        <p:txBody>
+          <a:bodyPr vert="horz" wrap="square" rtlCol="0">
+            <a:spAutoFit/>
+          </a:bodyPr>
+          <a:lstStyle/>
+          <a:p>
+            <a:pPr algn="r"/>
+            <a:r>
+              <a:rPr lang="en-US" dirty="0"/>
+              <a:t>400</a:t>
+            </a:r>
+          </a:p>
+          <a:p>
+            <a:pPr algn="r"/>
+            <a:endParaRPr lang="en-US" dirty="0"/>
+          </a:p>
+          <a:p>
+            <a:pPr algn="r"/>
+            <a:r>
+              <a:rPr lang="en-US" dirty="0"/>
+              <a:t>200</a:t>
+            </a:r>
+          </a:p>
+          <a:p>
+            <a:pPr algn="r"/>
+            <a:endParaRPr lang="en-US" dirty="0"/>
+          </a:p>
+          <a:p>
+            <a:pPr algn="r"/>
+            <a:r>
+              <a:rPr lang="en-US" dirty="0"/>
+              <a:t>0 </a:t>
+            </a:r>
+          </a:p>
+          <a:p>
+            <a:pPr algn="r"/>
+            <a:endParaRPr lang="en-US" dirty="0"/>
+          </a:p>
+          <a:p>
+            <a:pPr algn="r"/>
+            <a:r>
+              <a:rPr lang="en-US" dirty="0"/>
+              <a:t>-200</a:t>
+            </a:r>
+          </a:p>
+          <a:p>
+            <a:pPr algn="r"/>
+            <a:endParaRPr lang="en-US" dirty="0"/>
+          </a:p>
+          <a:p>
+            <a:pPr algn="r"/>
+            <a:r>
+              <a:rPr lang="en-US" dirty="0"/>
+              <a:t>-400</a:t>
+            </a:r>
+          </a:p>
+          <a:p>
+            <a:pPr algn="r"/>
+            <a:endParaRPr lang="en-US" dirty="0"/>
+          </a:p>
+        </p:txBody>
+      </p:sp>
+      <p:sp>
+        <p:nvSpPr>
+          <p:cNvPr id="63" name="TextBox 62">
+            <a:extLst>
+              <a:ext uri="{FF2B5EF4-FFF2-40B4-BE49-F238E27FC236}">
+                <a16:creationId xmlns:a16="http://schemas.microsoft.com/office/drawing/2014/main" id="{8E3E4F94-D1BD-400B-9026-089472131037}"/>
+              </a:ext>
+            </a:extLst>
+          </p:cNvPr>
+          <p:cNvSpPr txBox="1"/>
+          <p:nvPr/>
+        </p:nvSpPr>
+        <p:spPr>
+          <a:xfrm>
+            <a:off x="37573778" y="15374344"/>
+            <a:ext cx="602233" cy="2862322"/>
+          </a:xfrm>
+          <a:prstGeom prst="rect">
+            <a:avLst/>
+          </a:prstGeom>
+          <a:noFill/>
+        </p:spPr>
+        <p:txBody>
+          <a:bodyPr vert="horz" wrap="square" rtlCol="0">
+            <a:spAutoFit/>
+          </a:bodyPr>
+          <a:lstStyle/>
+          <a:p>
+            <a:pPr algn="r"/>
+            <a:r>
+              <a:rPr lang="en-US" dirty="0"/>
+              <a:t>500</a:t>
+            </a:r>
+          </a:p>
+          <a:p>
+            <a:pPr algn="r"/>
+            <a:r>
+              <a:rPr lang="en-US" dirty="0"/>
+              <a:t>400</a:t>
+            </a:r>
+          </a:p>
+          <a:p>
+            <a:pPr algn="r"/>
+            <a:r>
+              <a:rPr lang="en-US" dirty="0"/>
+              <a:t>300</a:t>
+            </a:r>
+          </a:p>
+          <a:p>
+            <a:pPr algn="r"/>
+            <a:r>
+              <a:rPr lang="en-US" dirty="0"/>
+              <a:t>200</a:t>
+            </a:r>
+          </a:p>
+          <a:p>
+            <a:pPr algn="r"/>
+            <a:r>
+              <a:rPr lang="en-US" dirty="0"/>
+              <a:t>100</a:t>
+            </a:r>
+          </a:p>
+          <a:p>
+            <a:pPr algn="r"/>
+            <a:r>
+              <a:rPr lang="en-US" dirty="0"/>
+              <a:t>0 </a:t>
+            </a:r>
+          </a:p>
+          <a:p>
+            <a:pPr algn="r"/>
+            <a:r>
+              <a:rPr lang="en-US" dirty="0"/>
+              <a:t>-100</a:t>
+            </a:r>
+          </a:p>
+          <a:p>
+            <a:pPr algn="r"/>
+            <a:r>
+              <a:rPr lang="en-US" dirty="0"/>
+              <a:t>-200</a:t>
+            </a:r>
+          </a:p>
+          <a:p>
+            <a:pPr algn="r"/>
+            <a:r>
+              <a:rPr lang="en-US" dirty="0"/>
+              <a:t>-300</a:t>
+            </a:r>
+          </a:p>
+          <a:p>
+            <a:pPr algn="r"/>
+            <a:endParaRPr lang="en-US" dirty="0"/>
+          </a:p>
+        </p:txBody>
+      </p:sp>
+      <p:sp>
+        <p:nvSpPr>
+          <p:cNvPr id="74" name="TextBox 73">
+            <a:extLst>
+              <a:ext uri="{FF2B5EF4-FFF2-40B4-BE49-F238E27FC236}">
+                <a16:creationId xmlns:a16="http://schemas.microsoft.com/office/drawing/2014/main" id="{D3336710-09DB-4FAB-A0C6-1F3E68976D15}"/>
+              </a:ext>
+            </a:extLst>
+          </p:cNvPr>
+          <p:cNvSpPr txBox="1"/>
+          <p:nvPr/>
+        </p:nvSpPr>
+        <p:spPr>
+          <a:xfrm>
+            <a:off x="33194510" y="9889634"/>
+            <a:ext cx="17833987" cy="769441"/>
+          </a:xfrm>
+          <a:prstGeom prst="rect">
+            <a:avLst/>
+          </a:prstGeom>
+          <a:noFill/>
+        </p:spPr>
+        <p:txBody>
+          <a:bodyPr wrap="square" rtlCol="0">
+            <a:spAutoFit/>
+          </a:bodyPr>
+          <a:lstStyle/>
+          <a:p>
+            <a:pPr marL="457209" indent="-457209">
+              <a:spcAft>
+                <a:spcPts val="1200"/>
+              </a:spcAft>
+              <a:buFontTx/>
+              <a:buChar char="-"/>
+            </a:pPr>
+            <a:r>
+              <a:rPr lang="en-US" sz="4400" dirty="0">
+                <a:latin typeface="Arial" panose="020B0604020202020204" pitchFamily="34" charset="0"/>
+                <a:cs typeface="Arial" panose="020B0604020202020204" pitchFamily="34" charset="0"/>
+              </a:rPr>
+              <a:t>Google Earth Model</a:t>
+            </a:r>
+          </a:p>
+        </p:txBody>
+      </p:sp>
+      <p:sp>
+        <p:nvSpPr>
+          <p:cNvPr id="75" name="TextBox 74">
+            <a:extLst>
+              <a:ext uri="{FF2B5EF4-FFF2-40B4-BE49-F238E27FC236}">
+                <a16:creationId xmlns:a16="http://schemas.microsoft.com/office/drawing/2014/main" id="{5D387CC1-4348-435B-A3E8-2E1358BBC7ED}"/>
+              </a:ext>
+            </a:extLst>
+          </p:cNvPr>
+          <p:cNvSpPr txBox="1"/>
+          <p:nvPr/>
+        </p:nvSpPr>
+        <p:spPr>
+          <a:xfrm>
+            <a:off x="33251884" y="14586501"/>
+            <a:ext cx="17833987" cy="769441"/>
+          </a:xfrm>
+          <a:prstGeom prst="rect">
+            <a:avLst/>
+          </a:prstGeom>
+          <a:noFill/>
+        </p:spPr>
+        <p:txBody>
+          <a:bodyPr wrap="square" rtlCol="0">
+            <a:spAutoFit/>
+          </a:bodyPr>
+          <a:lstStyle/>
+          <a:p>
+            <a:pPr marL="457209" indent="-457209">
+              <a:spcAft>
+                <a:spcPts val="1200"/>
+              </a:spcAft>
+              <a:buFontTx/>
+              <a:buChar char="-"/>
+            </a:pPr>
+            <a:r>
+              <a:rPr lang="en-US" sz="4400" dirty="0">
+                <a:latin typeface="Arial" panose="020B0604020202020204" pitchFamily="34" charset="0"/>
+                <a:cs typeface="Arial" panose="020B0604020202020204" pitchFamily="34" charset="0"/>
+              </a:rPr>
+              <a:t>GPS Model</a:t>
+            </a:r>
+          </a:p>
+        </p:txBody>
+      </p:sp>
+      <p:sp>
+        <p:nvSpPr>
+          <p:cNvPr id="32" name="TextBox 31">
+            <a:extLst>
+              <a:ext uri="{FF2B5EF4-FFF2-40B4-BE49-F238E27FC236}">
+                <a16:creationId xmlns:a16="http://schemas.microsoft.com/office/drawing/2014/main" id="{3D8D6B73-81EF-486C-B52A-F1ED22850F30}"/>
+              </a:ext>
+            </a:extLst>
+          </p:cNvPr>
+          <p:cNvSpPr txBox="1"/>
+          <p:nvPr/>
+        </p:nvSpPr>
+        <p:spPr>
+          <a:xfrm>
+            <a:off x="35799087" y="18738971"/>
+            <a:ext cx="4438655" cy="923330"/>
+          </a:xfrm>
+          <a:prstGeom prst="rect">
+            <a:avLst/>
+          </a:prstGeom>
+          <a:noFill/>
+        </p:spPr>
+        <p:txBody>
+          <a:bodyPr wrap="square" rtlCol="0">
+            <a:spAutoFit/>
+          </a:bodyPr>
+          <a:lstStyle/>
+          <a:p>
+            <a:r>
+              <a:rPr lang="en-US" dirty="0"/>
+              <a:t>*Where x-axis denotes Horizontal Coordinates</a:t>
+            </a:r>
+          </a:p>
+          <a:p>
+            <a:r>
+              <a:rPr lang="en-US" dirty="0"/>
+              <a:t>And y-axis denotes Vertical Coordinates</a:t>
+            </a:r>
+          </a:p>
+        </p:txBody>
+      </p:sp>
+      <p:pic>
+        <p:nvPicPr>
+          <p:cNvPr id="76" name="Picture 75">
+            <a:extLst>
+              <a:ext uri="{FF2B5EF4-FFF2-40B4-BE49-F238E27FC236}">
+                <a16:creationId xmlns:a16="http://schemas.microsoft.com/office/drawing/2014/main" id="{51EC82F8-D380-4DFA-AD66-338E1816F27F}"/>
+              </a:ext>
+            </a:extLst>
+          </p:cNvPr>
+          <p:cNvPicPr/>
+          <p:nvPr/>
+        </p:nvPicPr>
+        <p:blipFill rotWithShape="1">
+          <a:blip r:embed="rId20"/>
+          <a:srcRect t="9940"/>
+          <a:stretch/>
+        </p:blipFill>
+        <p:spPr>
+          <a:xfrm>
+            <a:off x="18015353" y="7368370"/>
+            <a:ext cx="12261318" cy="2651688"/>
+          </a:xfrm>
+          <a:prstGeom prst="rect">
+            <a:avLst/>
+          </a:prstGeom>
+        </p:spPr>
+      </p:pic>
+      <p:pic>
+        <p:nvPicPr>
+          <p:cNvPr id="77" name="Picture 76">
+            <a:extLst>
+              <a:ext uri="{FF2B5EF4-FFF2-40B4-BE49-F238E27FC236}">
+                <a16:creationId xmlns:a16="http://schemas.microsoft.com/office/drawing/2014/main" id="{5C64420B-2354-4421-B383-791BC1067A01}"/>
+              </a:ext>
+            </a:extLst>
+          </p:cNvPr>
+          <p:cNvPicPr/>
+          <p:nvPr/>
+        </p:nvPicPr>
+        <p:blipFill rotWithShape="1">
+          <a:blip r:embed="rId21"/>
+          <a:srcRect t="13173"/>
+          <a:stretch/>
+        </p:blipFill>
+        <p:spPr>
+          <a:xfrm>
+            <a:off x="17950389" y="9995847"/>
+            <a:ext cx="12235661" cy="2944357"/>
+          </a:xfrm>
+          <a:prstGeom prst="rect">
+            <a:avLst/>
+          </a:prstGeom>
+        </p:spPr>
+      </p:pic>
+      <p:pic>
+        <p:nvPicPr>
+          <p:cNvPr id="78" name="Picture 77">
+            <a:extLst>
+              <a:ext uri="{FF2B5EF4-FFF2-40B4-BE49-F238E27FC236}">
+                <a16:creationId xmlns:a16="http://schemas.microsoft.com/office/drawing/2014/main" id="{C7A09053-6B27-4A32-935C-C0FBC3D24FAB}"/>
+              </a:ext>
+            </a:extLst>
+          </p:cNvPr>
+          <p:cNvPicPr/>
+          <p:nvPr/>
+        </p:nvPicPr>
+        <p:blipFill>
+          <a:blip r:embed="rId22"/>
+          <a:stretch>
+            <a:fillRect/>
+          </a:stretch>
+        </p:blipFill>
+        <p:spPr>
+          <a:xfrm>
+            <a:off x="17168285" y="17950011"/>
+            <a:ext cx="7377545" cy="5609486"/>
+          </a:xfrm>
+          <a:prstGeom prst="rect">
+            <a:avLst/>
+          </a:prstGeom>
+        </p:spPr>
+      </p:pic>
+      <p:sp>
+        <p:nvSpPr>
+          <p:cNvPr id="79" name="TextBox 78">
+            <a:extLst>
+              <a:ext uri="{FF2B5EF4-FFF2-40B4-BE49-F238E27FC236}">
+                <a16:creationId xmlns:a16="http://schemas.microsoft.com/office/drawing/2014/main" id="{57556C96-3C93-4D97-BAD5-51B41A9CED0A}"/>
+              </a:ext>
+            </a:extLst>
+          </p:cNvPr>
+          <p:cNvSpPr txBox="1"/>
+          <p:nvPr/>
+        </p:nvSpPr>
+        <p:spPr>
+          <a:xfrm>
+            <a:off x="416696" y="23136091"/>
+            <a:ext cx="13203803" cy="6186309"/>
+          </a:xfrm>
+          <a:prstGeom prst="rect">
+            <a:avLst/>
+          </a:prstGeom>
+          <a:noFill/>
+        </p:spPr>
+        <p:txBody>
+          <a:bodyPr wrap="square" rtlCol="0">
+            <a:spAutoFit/>
+          </a:bodyPr>
+          <a:lstStyle/>
+          <a:p>
+            <a:pPr algn="ctr">
+              <a:spcAft>
+                <a:spcPts val="1200"/>
+              </a:spcAft>
+            </a:pPr>
+            <a:r>
+              <a:rPr lang="en-US" sz="4800" dirty="0">
+                <a:latin typeface="Arial" panose="020B0604020202020204" pitchFamily="34" charset="0"/>
+                <a:cs typeface="Arial" panose="020B0604020202020204" pitchFamily="34" charset="0"/>
+              </a:rPr>
+              <a:t>𝑎= 𝑣̇ 𝑇 + 𝜅𝑣</a:t>
+            </a:r>
+            <a:r>
+              <a:rPr lang="en-US" sz="4800" baseline="30000" dirty="0">
+                <a:latin typeface="Arial" panose="020B0604020202020204" pitchFamily="34" charset="0"/>
+                <a:cs typeface="Arial" panose="020B0604020202020204" pitchFamily="34" charset="0"/>
+              </a:rPr>
+              <a:t>2</a:t>
+            </a:r>
+            <a:r>
+              <a:rPr lang="en-US" sz="4800" dirty="0">
+                <a:latin typeface="Arial" panose="020B0604020202020204" pitchFamily="34" charset="0"/>
+                <a:cs typeface="Arial" panose="020B0604020202020204" pitchFamily="34" charset="0"/>
+              </a:rPr>
+              <a:t> 𝑁</a:t>
+            </a:r>
+          </a:p>
+          <a:p>
+            <a:pPr>
+              <a:spcAft>
+                <a:spcPts val="1200"/>
+              </a:spcAft>
+            </a:pPr>
+            <a:r>
+              <a:rPr lang="en-US" sz="4800" dirty="0">
+                <a:latin typeface="Arial" panose="020B0604020202020204" pitchFamily="34" charset="0"/>
+                <a:cs typeface="Arial" panose="020B0604020202020204" pitchFamily="34" charset="0"/>
+              </a:rPr>
+              <a:t>Where:</a:t>
+            </a:r>
+          </a:p>
+          <a:p>
+            <a:pPr marL="457209" indent="-457209">
+              <a:spcAft>
+                <a:spcPts val="1200"/>
+              </a:spcAft>
+              <a:buFontTx/>
+              <a:buChar char="-"/>
+            </a:pPr>
+            <a:r>
+              <a:rPr lang="en-US" sz="4800" dirty="0">
+                <a:latin typeface="Arial" panose="020B0604020202020204" pitchFamily="34" charset="0"/>
+                <a:cs typeface="Arial" panose="020B0604020202020204" pitchFamily="34" charset="0"/>
+              </a:rPr>
+              <a:t>a = Total Acceleration of Vehicle (m/s</a:t>
+            </a:r>
+            <a:r>
+              <a:rPr lang="en-US" sz="4800" baseline="30000" dirty="0">
+                <a:latin typeface="Arial" panose="020B0604020202020204" pitchFamily="34" charset="0"/>
+                <a:cs typeface="Arial" panose="020B0604020202020204" pitchFamily="34" charset="0"/>
+              </a:rPr>
+              <a:t>2</a:t>
+            </a:r>
+            <a:r>
+              <a:rPr lang="en-US" sz="4800" dirty="0">
+                <a:latin typeface="Arial" panose="020B0604020202020204" pitchFamily="34" charset="0"/>
+                <a:cs typeface="Arial" panose="020B0604020202020204" pitchFamily="34" charset="0"/>
+              </a:rPr>
+              <a:t>)</a:t>
+            </a:r>
+          </a:p>
+          <a:p>
+            <a:pPr marL="457209" indent="-457209">
+              <a:spcAft>
+                <a:spcPts val="1200"/>
+              </a:spcAft>
+              <a:buFontTx/>
+              <a:buChar char="-"/>
+            </a:pPr>
+            <a:r>
+              <a:rPr lang="en-US" sz="4800" dirty="0">
+                <a:latin typeface="Arial" panose="020B0604020202020204" pitchFamily="34" charset="0"/>
+                <a:cs typeface="Arial" panose="020B0604020202020204" pitchFamily="34" charset="0"/>
+              </a:rPr>
+              <a:t>v = Tangential Velocity of Vehicle (m/s)</a:t>
+            </a:r>
+          </a:p>
+          <a:p>
+            <a:pPr marL="457209" indent="-457209">
+              <a:spcAft>
+                <a:spcPts val="1200"/>
+              </a:spcAft>
+              <a:buFontTx/>
+              <a:buChar char="-"/>
+            </a:pPr>
+            <a:r>
+              <a:rPr lang="en-US" sz="4800" dirty="0">
+                <a:latin typeface="Arial" panose="020B0604020202020204" pitchFamily="34" charset="0"/>
+                <a:cs typeface="Arial" panose="020B0604020202020204" pitchFamily="34" charset="0"/>
+              </a:rPr>
+              <a:t>𝜅 = Curvature at an Instantaneous Point (m</a:t>
+            </a:r>
+            <a:r>
+              <a:rPr lang="en-US" sz="4800" baseline="30000" dirty="0">
+                <a:latin typeface="Arial" panose="020B0604020202020204" pitchFamily="34" charset="0"/>
+                <a:cs typeface="Arial" panose="020B0604020202020204" pitchFamily="34" charset="0"/>
+              </a:rPr>
+              <a:t>-1</a:t>
+            </a:r>
+            <a:r>
+              <a:rPr lang="en-US" sz="4800" dirty="0">
+                <a:latin typeface="Arial" panose="020B0604020202020204" pitchFamily="34" charset="0"/>
+                <a:cs typeface="Arial" panose="020B0604020202020204" pitchFamily="34" charset="0"/>
+              </a:rPr>
+              <a:t>)</a:t>
+            </a:r>
+          </a:p>
+          <a:p>
+            <a:pPr marL="457209" indent="-457209">
+              <a:spcAft>
+                <a:spcPts val="1200"/>
+              </a:spcAft>
+              <a:buFontTx/>
+              <a:buChar char="-"/>
+            </a:pPr>
+            <a:r>
+              <a:rPr lang="en-US" sz="4800" dirty="0">
+                <a:latin typeface="Arial" panose="020B0604020202020204" pitchFamily="34" charset="0"/>
+                <a:cs typeface="Arial" panose="020B0604020202020204" pitchFamily="34" charset="0"/>
+              </a:rPr>
+              <a:t>N = Normal Unit Vector</a:t>
+            </a:r>
+          </a:p>
+          <a:p>
+            <a:pPr marL="457209" indent="-457209">
+              <a:spcAft>
+                <a:spcPts val="1200"/>
+              </a:spcAft>
+              <a:buFontTx/>
+              <a:buChar char="-"/>
+            </a:pPr>
+            <a:r>
+              <a:rPr lang="en-US" sz="4800" dirty="0">
+                <a:latin typeface="Arial" panose="020B0604020202020204" pitchFamily="34" charset="0"/>
+                <a:cs typeface="Arial" panose="020B0604020202020204" pitchFamily="34" charset="0"/>
+              </a:rPr>
+              <a:t>T = Tangential Unit Vector</a:t>
+            </a:r>
+          </a:p>
+        </p:txBody>
+      </p:sp>
+      <p:sp>
+        <p:nvSpPr>
+          <p:cNvPr id="80" name="TextBox 79">
+            <a:extLst>
+              <a:ext uri="{FF2B5EF4-FFF2-40B4-BE49-F238E27FC236}">
+                <a16:creationId xmlns:a16="http://schemas.microsoft.com/office/drawing/2014/main" id="{A25F647A-A440-4297-B50F-70E5DF9AC8E4}"/>
+              </a:ext>
+            </a:extLst>
+          </p:cNvPr>
+          <p:cNvSpPr txBox="1"/>
+          <p:nvPr/>
+        </p:nvSpPr>
+        <p:spPr>
+          <a:xfrm>
+            <a:off x="16546806" y="13987846"/>
+            <a:ext cx="16614300" cy="830997"/>
+          </a:xfrm>
+          <a:prstGeom prst="rect">
+            <a:avLst/>
+          </a:prstGeom>
+          <a:noFill/>
+        </p:spPr>
+        <p:txBody>
+          <a:bodyPr wrap="square" rtlCol="0">
+            <a:spAutoFit/>
+          </a:bodyPr>
+          <a:lstStyle/>
+          <a:p>
+            <a:pPr marL="457209" indent="-457209">
+              <a:spcAft>
+                <a:spcPts val="1200"/>
+              </a:spcAft>
+              <a:buFontTx/>
+              <a:buChar char="-"/>
+            </a:pPr>
+            <a:r>
+              <a:rPr lang="en-US" sz="4800">
+                <a:latin typeface="Arial" panose="020B0604020202020204" pitchFamily="34" charset="0"/>
+                <a:cs typeface="Arial" panose="020B0604020202020204" pitchFamily="34" charset="0"/>
+              </a:rPr>
+              <a:t>Road with Discrete Curvature Sections</a:t>
+            </a:r>
+            <a:endParaRPr lang="en-US" sz="4800" dirty="0">
+              <a:latin typeface="Arial" panose="020B0604020202020204" pitchFamily="34" charset="0"/>
+              <a:cs typeface="Arial" panose="020B0604020202020204" pitchFamily="34" charset="0"/>
+            </a:endParaRPr>
+          </a:p>
+        </p:txBody>
+      </p:sp>
     </p:spTree>
     <p:extLst>
       <p:ext uri="{BB962C8B-B14F-4D97-AF65-F5344CB8AC3E}">
